--- a/Documentos/Engenharia de Software - Projeto.pptx
+++ b/Documentos/Engenharia de Software - Projeto.pptx
@@ -11,6 +11,15 @@
     <p:sldId id="259" r:id="rId5"/>
     <p:sldId id="260" r:id="rId6"/>
     <p:sldId id="261" r:id="rId7"/>
+    <p:sldId id="262" r:id="rId8"/>
+    <p:sldId id="263" r:id="rId9"/>
+    <p:sldId id="264" r:id="rId10"/>
+    <p:sldId id="265" r:id="rId11"/>
+    <p:sldId id="266" r:id="rId12"/>
+    <p:sldId id="267" r:id="rId13"/>
+    <p:sldId id="268" r:id="rId14"/>
+    <p:sldId id="269" r:id="rId15"/>
+    <p:sldId id="270" r:id="rId16"/>
   </p:sldIdLst>
   <p:sldSz cx="12192000" cy="6858000"/>
   <p:notesSz cx="6858000" cy="9144000"/>
@@ -109,6 +118,11 @@
       </a:defRPr>
     </a:lvl9pPr>
   </p:defaultTextStyle>
+  <p:extLst>
+    <p:ext uri="{EFAFB233-063F-42B5-8137-9DF3F51BA10A}">
+      <p15:sldGuideLst xmlns:p15="http://schemas.microsoft.com/office/powerpoint/2012/main"/>
+    </p:ext>
+  </p:extLst>
 </p:presentation>
 </file>
 
@@ -134,7 +148,7 @@
           <p:cNvPr id="2" name="Título 1">
             <a:extLst>
               <a:ext uri="{FF2B5EF4-FFF2-40B4-BE49-F238E27FC236}">
-                <a16:creationId xmlns:a16="http://schemas.microsoft.com/office/drawing/2014/main" id="{5AC22D32-566F-4F15-81C1-E295DA245878}"/>
+                <a16:creationId xmlns:a16="http://schemas.microsoft.com/office/drawing/2014/main" id="{9F6371AC-00F0-445E-94F9-89B8289D2A97}"/>
               </a:ext>
             </a:extLst>
           </p:cNvPr>
@@ -171,7 +185,7 @@
           <p:cNvPr id="3" name="Subtítulo 2">
             <a:extLst>
               <a:ext uri="{FF2B5EF4-FFF2-40B4-BE49-F238E27FC236}">
-                <a16:creationId xmlns:a16="http://schemas.microsoft.com/office/drawing/2014/main" id="{2558AF54-D500-4D6B-B988-DFEAF6FE5329}"/>
+                <a16:creationId xmlns:a16="http://schemas.microsoft.com/office/drawing/2014/main" id="{229E4864-913C-484D-A445-31A4809DEE8A}"/>
               </a:ext>
             </a:extLst>
           </p:cNvPr>
@@ -241,7 +255,7 @@
           <p:cNvPr id="4" name="Espaço Reservado para Data 3">
             <a:extLst>
               <a:ext uri="{FF2B5EF4-FFF2-40B4-BE49-F238E27FC236}">
-                <a16:creationId xmlns:a16="http://schemas.microsoft.com/office/drawing/2014/main" id="{D02F4F25-E479-4C73-A259-F01659958947}"/>
+                <a16:creationId xmlns:a16="http://schemas.microsoft.com/office/drawing/2014/main" id="{7E18321E-AFA1-406A-98FB-FF944C63F164}"/>
               </a:ext>
             </a:extLst>
           </p:cNvPr>
@@ -257,9 +271,9 @@
           <a:bodyPr/>
           <a:lstStyle/>
           <a:p>
-            <a:fld id="{E5D0B1AF-55CB-4560-846D-146AAF2220C9}" type="datetimeFigureOut">
+            <a:fld id="{87180509-AC06-4F4E-9F09-8D89F46DFC56}" type="datetimeFigureOut">
               <a:rPr lang="pt-BR" smtClean="0"/>
-              <a:t>14/10/2019</a:t>
+              <a:t>21/10/2019</a:t>
             </a:fld>
             <a:endParaRPr lang="pt-BR"/>
           </a:p>
@@ -270,7 +284,7 @@
           <p:cNvPr id="5" name="Espaço Reservado para Rodapé 4">
             <a:extLst>
               <a:ext uri="{FF2B5EF4-FFF2-40B4-BE49-F238E27FC236}">
-                <a16:creationId xmlns:a16="http://schemas.microsoft.com/office/drawing/2014/main" id="{BE179169-0A92-4C98-B745-0EB2A05AD55C}"/>
+                <a16:creationId xmlns:a16="http://schemas.microsoft.com/office/drawing/2014/main" id="{AC1BAD31-3530-45BA-9AEF-E9305EEC8016}"/>
               </a:ext>
             </a:extLst>
           </p:cNvPr>
@@ -295,7 +309,7 @@
           <p:cNvPr id="6" name="Espaço Reservado para Número de Slide 5">
             <a:extLst>
               <a:ext uri="{FF2B5EF4-FFF2-40B4-BE49-F238E27FC236}">
-                <a16:creationId xmlns:a16="http://schemas.microsoft.com/office/drawing/2014/main" id="{F747B0AF-C96C-4E23-BB26-41BA8CEF5302}"/>
+                <a16:creationId xmlns:a16="http://schemas.microsoft.com/office/drawing/2014/main" id="{B22929F2-82EF-44B4-9E05-C4C8E296866F}"/>
               </a:ext>
             </a:extLst>
           </p:cNvPr>
@@ -311,7 +325,7 @@
           <a:bodyPr/>
           <a:lstStyle/>
           <a:p>
-            <a:fld id="{CB34A1D7-1A22-48EC-B28F-06BAB366D035}" type="slidenum">
+            <a:fld id="{C005893D-6254-4B7C-9B8C-25425CF58112}" type="slidenum">
               <a:rPr lang="pt-BR" smtClean="0"/>
               <a:t>‹nº›</a:t>
             </a:fld>
@@ -322,7 +336,7 @@
     </p:spTree>
     <p:extLst>
       <p:ext uri="{BB962C8B-B14F-4D97-AF65-F5344CB8AC3E}">
-        <p14:creationId xmlns:p14="http://schemas.microsoft.com/office/powerpoint/2010/main" val="3074590664"/>
+        <p14:creationId xmlns:p14="http://schemas.microsoft.com/office/powerpoint/2010/main" val="2627979638"/>
       </p:ext>
     </p:extLst>
   </p:cSld>
@@ -354,7 +368,7 @@
           <p:cNvPr id="2" name="Título 1">
             <a:extLst>
               <a:ext uri="{FF2B5EF4-FFF2-40B4-BE49-F238E27FC236}">
-                <a16:creationId xmlns:a16="http://schemas.microsoft.com/office/drawing/2014/main" id="{5F19DE03-BBA0-4820-85ED-25DAB33C291E}"/>
+                <a16:creationId xmlns:a16="http://schemas.microsoft.com/office/drawing/2014/main" id="{440256FF-4060-41FD-8EB7-2F79197242C8}"/>
               </a:ext>
             </a:extLst>
           </p:cNvPr>
@@ -382,7 +396,7 @@
           <p:cNvPr id="3" name="Espaço Reservado para Texto Vertical 2">
             <a:extLst>
               <a:ext uri="{FF2B5EF4-FFF2-40B4-BE49-F238E27FC236}">
-                <a16:creationId xmlns:a16="http://schemas.microsoft.com/office/drawing/2014/main" id="{04CA1137-F37B-4EB5-B87F-2929FD942B0F}"/>
+                <a16:creationId xmlns:a16="http://schemas.microsoft.com/office/drawing/2014/main" id="{2AEE5111-D66B-4D77-BE6A-5F90853D9798}"/>
               </a:ext>
             </a:extLst>
           </p:cNvPr>
@@ -439,7 +453,7 @@
           <p:cNvPr id="4" name="Espaço Reservado para Data 3">
             <a:extLst>
               <a:ext uri="{FF2B5EF4-FFF2-40B4-BE49-F238E27FC236}">
-                <a16:creationId xmlns:a16="http://schemas.microsoft.com/office/drawing/2014/main" id="{33637951-C3E6-4EB2-A43A-C1D40182EFF4}"/>
+                <a16:creationId xmlns:a16="http://schemas.microsoft.com/office/drawing/2014/main" id="{3408EA55-D33F-40AB-B990-AD198D1C0BC4}"/>
               </a:ext>
             </a:extLst>
           </p:cNvPr>
@@ -455,9 +469,9 @@
           <a:bodyPr/>
           <a:lstStyle/>
           <a:p>
-            <a:fld id="{E5D0B1AF-55CB-4560-846D-146AAF2220C9}" type="datetimeFigureOut">
+            <a:fld id="{87180509-AC06-4F4E-9F09-8D89F46DFC56}" type="datetimeFigureOut">
               <a:rPr lang="pt-BR" smtClean="0"/>
-              <a:t>14/10/2019</a:t>
+              <a:t>21/10/2019</a:t>
             </a:fld>
             <a:endParaRPr lang="pt-BR"/>
           </a:p>
@@ -468,7 +482,7 @@
           <p:cNvPr id="5" name="Espaço Reservado para Rodapé 4">
             <a:extLst>
               <a:ext uri="{FF2B5EF4-FFF2-40B4-BE49-F238E27FC236}">
-                <a16:creationId xmlns:a16="http://schemas.microsoft.com/office/drawing/2014/main" id="{1CFC983E-D2A9-49F8-A083-C40855208B45}"/>
+                <a16:creationId xmlns:a16="http://schemas.microsoft.com/office/drawing/2014/main" id="{6C936F8E-6784-4DB5-9170-44624DE9534F}"/>
               </a:ext>
             </a:extLst>
           </p:cNvPr>
@@ -493,7 +507,7 @@
           <p:cNvPr id="6" name="Espaço Reservado para Número de Slide 5">
             <a:extLst>
               <a:ext uri="{FF2B5EF4-FFF2-40B4-BE49-F238E27FC236}">
-                <a16:creationId xmlns:a16="http://schemas.microsoft.com/office/drawing/2014/main" id="{5F070F8D-EF18-4E58-BF3C-037FCFE52A1F}"/>
+                <a16:creationId xmlns:a16="http://schemas.microsoft.com/office/drawing/2014/main" id="{1FFC4B4A-6340-41C4-B4D9-27DCF51A94B3}"/>
               </a:ext>
             </a:extLst>
           </p:cNvPr>
@@ -509,7 +523,7 @@
           <a:bodyPr/>
           <a:lstStyle/>
           <a:p>
-            <a:fld id="{CB34A1D7-1A22-48EC-B28F-06BAB366D035}" type="slidenum">
+            <a:fld id="{C005893D-6254-4B7C-9B8C-25425CF58112}" type="slidenum">
               <a:rPr lang="pt-BR" smtClean="0"/>
               <a:t>‹nº›</a:t>
             </a:fld>
@@ -520,7 +534,7 @@
     </p:spTree>
     <p:extLst>
       <p:ext uri="{BB962C8B-B14F-4D97-AF65-F5344CB8AC3E}">
-        <p14:creationId xmlns:p14="http://schemas.microsoft.com/office/powerpoint/2010/main" val="2797520985"/>
+        <p14:creationId xmlns:p14="http://schemas.microsoft.com/office/powerpoint/2010/main" val="2264609885"/>
       </p:ext>
     </p:extLst>
   </p:cSld>
@@ -552,7 +566,7 @@
           <p:cNvPr id="2" name="Título Vertical 1">
             <a:extLst>
               <a:ext uri="{FF2B5EF4-FFF2-40B4-BE49-F238E27FC236}">
-                <a16:creationId xmlns:a16="http://schemas.microsoft.com/office/drawing/2014/main" id="{C59C6A7A-0D81-4DB2-836F-05A3F4832480}"/>
+                <a16:creationId xmlns:a16="http://schemas.microsoft.com/office/drawing/2014/main" id="{D6532209-4E8F-49AA-8440-12BB881EAE63}"/>
               </a:ext>
             </a:extLst>
           </p:cNvPr>
@@ -585,7 +599,7 @@
           <p:cNvPr id="3" name="Espaço Reservado para Texto Vertical 2">
             <a:extLst>
               <a:ext uri="{FF2B5EF4-FFF2-40B4-BE49-F238E27FC236}">
-                <a16:creationId xmlns:a16="http://schemas.microsoft.com/office/drawing/2014/main" id="{6F965AE5-8B9A-4882-BBF5-E2EA4019A60A}"/>
+                <a16:creationId xmlns:a16="http://schemas.microsoft.com/office/drawing/2014/main" id="{C4485CEF-0F09-4388-92F9-60A9648A0CFE}"/>
               </a:ext>
             </a:extLst>
           </p:cNvPr>
@@ -647,7 +661,7 @@
           <p:cNvPr id="4" name="Espaço Reservado para Data 3">
             <a:extLst>
               <a:ext uri="{FF2B5EF4-FFF2-40B4-BE49-F238E27FC236}">
-                <a16:creationId xmlns:a16="http://schemas.microsoft.com/office/drawing/2014/main" id="{A4899A5F-7C3D-4596-BF22-02C157C45D67}"/>
+                <a16:creationId xmlns:a16="http://schemas.microsoft.com/office/drawing/2014/main" id="{C718AC3E-825C-4ECA-B7BB-90DF5305A3F0}"/>
               </a:ext>
             </a:extLst>
           </p:cNvPr>
@@ -663,9 +677,9 @@
           <a:bodyPr/>
           <a:lstStyle/>
           <a:p>
-            <a:fld id="{E5D0B1AF-55CB-4560-846D-146AAF2220C9}" type="datetimeFigureOut">
+            <a:fld id="{87180509-AC06-4F4E-9F09-8D89F46DFC56}" type="datetimeFigureOut">
               <a:rPr lang="pt-BR" smtClean="0"/>
-              <a:t>14/10/2019</a:t>
+              <a:t>21/10/2019</a:t>
             </a:fld>
             <a:endParaRPr lang="pt-BR"/>
           </a:p>
@@ -676,7 +690,7 @@
           <p:cNvPr id="5" name="Espaço Reservado para Rodapé 4">
             <a:extLst>
               <a:ext uri="{FF2B5EF4-FFF2-40B4-BE49-F238E27FC236}">
-                <a16:creationId xmlns:a16="http://schemas.microsoft.com/office/drawing/2014/main" id="{4E8B46A2-C1DD-43AE-8AAE-04119C9E6406}"/>
+                <a16:creationId xmlns:a16="http://schemas.microsoft.com/office/drawing/2014/main" id="{0ABF433B-504D-455E-8A3D-048F12894215}"/>
               </a:ext>
             </a:extLst>
           </p:cNvPr>
@@ -701,7 +715,7 @@
           <p:cNvPr id="6" name="Espaço Reservado para Número de Slide 5">
             <a:extLst>
               <a:ext uri="{FF2B5EF4-FFF2-40B4-BE49-F238E27FC236}">
-                <a16:creationId xmlns:a16="http://schemas.microsoft.com/office/drawing/2014/main" id="{4BFE9B51-461F-4B54-9570-7666D0261651}"/>
+                <a16:creationId xmlns:a16="http://schemas.microsoft.com/office/drawing/2014/main" id="{ACDC6F5A-631B-40A9-8A40-EF072CD4A498}"/>
               </a:ext>
             </a:extLst>
           </p:cNvPr>
@@ -717,7 +731,7 @@
           <a:bodyPr/>
           <a:lstStyle/>
           <a:p>
-            <a:fld id="{CB34A1D7-1A22-48EC-B28F-06BAB366D035}" type="slidenum">
+            <a:fld id="{C005893D-6254-4B7C-9B8C-25425CF58112}" type="slidenum">
               <a:rPr lang="pt-BR" smtClean="0"/>
               <a:t>‹nº›</a:t>
             </a:fld>
@@ -728,7 +742,7 @@
     </p:spTree>
     <p:extLst>
       <p:ext uri="{BB962C8B-B14F-4D97-AF65-F5344CB8AC3E}">
-        <p14:creationId xmlns:p14="http://schemas.microsoft.com/office/powerpoint/2010/main" val="2140016940"/>
+        <p14:creationId xmlns:p14="http://schemas.microsoft.com/office/powerpoint/2010/main" val="96651208"/>
       </p:ext>
     </p:extLst>
   </p:cSld>
@@ -760,7 +774,7 @@
           <p:cNvPr id="2" name="Título 1">
             <a:extLst>
               <a:ext uri="{FF2B5EF4-FFF2-40B4-BE49-F238E27FC236}">
-                <a16:creationId xmlns:a16="http://schemas.microsoft.com/office/drawing/2014/main" id="{83636B32-CA06-47F4-87BB-B9CCE389261E}"/>
+                <a16:creationId xmlns:a16="http://schemas.microsoft.com/office/drawing/2014/main" id="{5C24F618-10B1-4D73-93F3-071499812440}"/>
               </a:ext>
             </a:extLst>
           </p:cNvPr>
@@ -788,7 +802,7 @@
           <p:cNvPr id="3" name="Espaço Reservado para Conteúdo 2">
             <a:extLst>
               <a:ext uri="{FF2B5EF4-FFF2-40B4-BE49-F238E27FC236}">
-                <a16:creationId xmlns:a16="http://schemas.microsoft.com/office/drawing/2014/main" id="{25D68CB5-62B2-4904-8406-1E27E8582A92}"/>
+                <a16:creationId xmlns:a16="http://schemas.microsoft.com/office/drawing/2014/main" id="{4532D76E-A8F9-4DE2-9334-92DEF5503028}"/>
               </a:ext>
             </a:extLst>
           </p:cNvPr>
@@ -845,7 +859,7 @@
           <p:cNvPr id="4" name="Espaço Reservado para Data 3">
             <a:extLst>
               <a:ext uri="{FF2B5EF4-FFF2-40B4-BE49-F238E27FC236}">
-                <a16:creationId xmlns:a16="http://schemas.microsoft.com/office/drawing/2014/main" id="{46FD16ED-D54F-446C-ADC7-ED7238568068}"/>
+                <a16:creationId xmlns:a16="http://schemas.microsoft.com/office/drawing/2014/main" id="{5BD15142-0B69-4FC0-82D4-A252E4798A2B}"/>
               </a:ext>
             </a:extLst>
           </p:cNvPr>
@@ -861,9 +875,9 @@
           <a:bodyPr/>
           <a:lstStyle/>
           <a:p>
-            <a:fld id="{E5D0B1AF-55CB-4560-846D-146AAF2220C9}" type="datetimeFigureOut">
+            <a:fld id="{87180509-AC06-4F4E-9F09-8D89F46DFC56}" type="datetimeFigureOut">
               <a:rPr lang="pt-BR" smtClean="0"/>
-              <a:t>14/10/2019</a:t>
+              <a:t>21/10/2019</a:t>
             </a:fld>
             <a:endParaRPr lang="pt-BR"/>
           </a:p>
@@ -874,7 +888,7 @@
           <p:cNvPr id="5" name="Espaço Reservado para Rodapé 4">
             <a:extLst>
               <a:ext uri="{FF2B5EF4-FFF2-40B4-BE49-F238E27FC236}">
-                <a16:creationId xmlns:a16="http://schemas.microsoft.com/office/drawing/2014/main" id="{BDFE4D06-3D5F-45F4-9222-A0C34537E63F}"/>
+                <a16:creationId xmlns:a16="http://schemas.microsoft.com/office/drawing/2014/main" id="{2437353B-65D4-4D9E-8193-1E02681944E1}"/>
               </a:ext>
             </a:extLst>
           </p:cNvPr>
@@ -899,7 +913,7 @@
           <p:cNvPr id="6" name="Espaço Reservado para Número de Slide 5">
             <a:extLst>
               <a:ext uri="{FF2B5EF4-FFF2-40B4-BE49-F238E27FC236}">
-                <a16:creationId xmlns:a16="http://schemas.microsoft.com/office/drawing/2014/main" id="{F0AA2955-8808-4016-B5FD-61075222AC8D}"/>
+                <a16:creationId xmlns:a16="http://schemas.microsoft.com/office/drawing/2014/main" id="{646D7633-64A2-4C74-8874-FD7E6391097F}"/>
               </a:ext>
             </a:extLst>
           </p:cNvPr>
@@ -915,7 +929,7 @@
           <a:bodyPr/>
           <a:lstStyle/>
           <a:p>
-            <a:fld id="{CB34A1D7-1A22-48EC-B28F-06BAB366D035}" type="slidenum">
+            <a:fld id="{C005893D-6254-4B7C-9B8C-25425CF58112}" type="slidenum">
               <a:rPr lang="pt-BR" smtClean="0"/>
               <a:t>‹nº›</a:t>
             </a:fld>
@@ -926,7 +940,7 @@
     </p:spTree>
     <p:extLst>
       <p:ext uri="{BB962C8B-B14F-4D97-AF65-F5344CB8AC3E}">
-        <p14:creationId xmlns:p14="http://schemas.microsoft.com/office/powerpoint/2010/main" val="1900392573"/>
+        <p14:creationId xmlns:p14="http://schemas.microsoft.com/office/powerpoint/2010/main" val="454061750"/>
       </p:ext>
     </p:extLst>
   </p:cSld>
@@ -958,7 +972,7 @@
           <p:cNvPr id="2" name="Título 1">
             <a:extLst>
               <a:ext uri="{FF2B5EF4-FFF2-40B4-BE49-F238E27FC236}">
-                <a16:creationId xmlns:a16="http://schemas.microsoft.com/office/drawing/2014/main" id="{EC75AB4E-DCC8-433F-A3A1-A14682A0FE44}"/>
+                <a16:creationId xmlns:a16="http://schemas.microsoft.com/office/drawing/2014/main" id="{CC7013A0-981A-47D3-A5D3-C56870AB8FED}"/>
               </a:ext>
             </a:extLst>
           </p:cNvPr>
@@ -995,7 +1009,7 @@
           <p:cNvPr id="3" name="Espaço Reservado para Texto 2">
             <a:extLst>
               <a:ext uri="{FF2B5EF4-FFF2-40B4-BE49-F238E27FC236}">
-                <a16:creationId xmlns:a16="http://schemas.microsoft.com/office/drawing/2014/main" id="{5A71B99A-4E50-4724-8AB4-1957E9FA5601}"/>
+                <a16:creationId xmlns:a16="http://schemas.microsoft.com/office/drawing/2014/main" id="{258EF3AC-61CC-4898-B8BE-24554D8F0FDE}"/>
               </a:ext>
             </a:extLst>
           </p:cNvPr>
@@ -1120,7 +1134,7 @@
           <p:cNvPr id="4" name="Espaço Reservado para Data 3">
             <a:extLst>
               <a:ext uri="{FF2B5EF4-FFF2-40B4-BE49-F238E27FC236}">
-                <a16:creationId xmlns:a16="http://schemas.microsoft.com/office/drawing/2014/main" id="{F1888EDF-D6DA-4C36-9F31-8B9CF8D7B3DD}"/>
+                <a16:creationId xmlns:a16="http://schemas.microsoft.com/office/drawing/2014/main" id="{B9CF3506-D562-43B8-877D-DA40ACC9602D}"/>
               </a:ext>
             </a:extLst>
           </p:cNvPr>
@@ -1136,9 +1150,9 @@
           <a:bodyPr/>
           <a:lstStyle/>
           <a:p>
-            <a:fld id="{E5D0B1AF-55CB-4560-846D-146AAF2220C9}" type="datetimeFigureOut">
+            <a:fld id="{87180509-AC06-4F4E-9F09-8D89F46DFC56}" type="datetimeFigureOut">
               <a:rPr lang="pt-BR" smtClean="0"/>
-              <a:t>14/10/2019</a:t>
+              <a:t>21/10/2019</a:t>
             </a:fld>
             <a:endParaRPr lang="pt-BR"/>
           </a:p>
@@ -1149,7 +1163,7 @@
           <p:cNvPr id="5" name="Espaço Reservado para Rodapé 4">
             <a:extLst>
               <a:ext uri="{FF2B5EF4-FFF2-40B4-BE49-F238E27FC236}">
-                <a16:creationId xmlns:a16="http://schemas.microsoft.com/office/drawing/2014/main" id="{CAAAFBB6-0963-4A9B-894A-EA46F9CBE771}"/>
+                <a16:creationId xmlns:a16="http://schemas.microsoft.com/office/drawing/2014/main" id="{47F5F518-C56F-46D5-A08E-1026E671AF48}"/>
               </a:ext>
             </a:extLst>
           </p:cNvPr>
@@ -1174,7 +1188,7 @@
           <p:cNvPr id="6" name="Espaço Reservado para Número de Slide 5">
             <a:extLst>
               <a:ext uri="{FF2B5EF4-FFF2-40B4-BE49-F238E27FC236}">
-                <a16:creationId xmlns:a16="http://schemas.microsoft.com/office/drawing/2014/main" id="{DFB36241-E77F-401C-A637-B60BA3BAC764}"/>
+                <a16:creationId xmlns:a16="http://schemas.microsoft.com/office/drawing/2014/main" id="{27C036E7-DB05-4FC5-BA51-731EF6A3AF90}"/>
               </a:ext>
             </a:extLst>
           </p:cNvPr>
@@ -1190,7 +1204,7 @@
           <a:bodyPr/>
           <a:lstStyle/>
           <a:p>
-            <a:fld id="{CB34A1D7-1A22-48EC-B28F-06BAB366D035}" type="slidenum">
+            <a:fld id="{C005893D-6254-4B7C-9B8C-25425CF58112}" type="slidenum">
               <a:rPr lang="pt-BR" smtClean="0"/>
               <a:t>‹nº›</a:t>
             </a:fld>
@@ -1201,7 +1215,7 @@
     </p:spTree>
     <p:extLst>
       <p:ext uri="{BB962C8B-B14F-4D97-AF65-F5344CB8AC3E}">
-        <p14:creationId xmlns:p14="http://schemas.microsoft.com/office/powerpoint/2010/main" val="1287564108"/>
+        <p14:creationId xmlns:p14="http://schemas.microsoft.com/office/powerpoint/2010/main" val="1911630386"/>
       </p:ext>
     </p:extLst>
   </p:cSld>
@@ -1233,7 +1247,7 @@
           <p:cNvPr id="2" name="Título 1">
             <a:extLst>
               <a:ext uri="{FF2B5EF4-FFF2-40B4-BE49-F238E27FC236}">
-                <a16:creationId xmlns:a16="http://schemas.microsoft.com/office/drawing/2014/main" id="{3B250899-99BA-41BE-8F54-A1FF18774D57}"/>
+                <a16:creationId xmlns:a16="http://schemas.microsoft.com/office/drawing/2014/main" id="{9D405D8E-173A-4087-B4DE-81F607039AA1}"/>
               </a:ext>
             </a:extLst>
           </p:cNvPr>
@@ -1261,7 +1275,7 @@
           <p:cNvPr id="3" name="Espaço Reservado para Conteúdo 2">
             <a:extLst>
               <a:ext uri="{FF2B5EF4-FFF2-40B4-BE49-F238E27FC236}">
-                <a16:creationId xmlns:a16="http://schemas.microsoft.com/office/drawing/2014/main" id="{D3BC402E-4D0D-45E1-8C3A-229A5FFEB532}"/>
+                <a16:creationId xmlns:a16="http://schemas.microsoft.com/office/drawing/2014/main" id="{70866EEA-B1D6-428B-92F1-B3C9C63AA414}"/>
               </a:ext>
             </a:extLst>
           </p:cNvPr>
@@ -1323,7 +1337,7 @@
           <p:cNvPr id="4" name="Espaço Reservado para Conteúdo 3">
             <a:extLst>
               <a:ext uri="{FF2B5EF4-FFF2-40B4-BE49-F238E27FC236}">
-                <a16:creationId xmlns:a16="http://schemas.microsoft.com/office/drawing/2014/main" id="{B2001E89-1514-402E-AF0D-659918944282}"/>
+                <a16:creationId xmlns:a16="http://schemas.microsoft.com/office/drawing/2014/main" id="{52E640BB-42BA-43E2-855F-3DDD7B0E6B8D}"/>
               </a:ext>
             </a:extLst>
           </p:cNvPr>
@@ -1385,7 +1399,7 @@
           <p:cNvPr id="5" name="Espaço Reservado para Data 4">
             <a:extLst>
               <a:ext uri="{FF2B5EF4-FFF2-40B4-BE49-F238E27FC236}">
-                <a16:creationId xmlns:a16="http://schemas.microsoft.com/office/drawing/2014/main" id="{6986CAE7-6D1D-403D-914C-A50AB4C0CAFD}"/>
+                <a16:creationId xmlns:a16="http://schemas.microsoft.com/office/drawing/2014/main" id="{9479B2E8-5834-47F8-A7BD-0993CC2C62DF}"/>
               </a:ext>
             </a:extLst>
           </p:cNvPr>
@@ -1401,9 +1415,9 @@
           <a:bodyPr/>
           <a:lstStyle/>
           <a:p>
-            <a:fld id="{E5D0B1AF-55CB-4560-846D-146AAF2220C9}" type="datetimeFigureOut">
+            <a:fld id="{87180509-AC06-4F4E-9F09-8D89F46DFC56}" type="datetimeFigureOut">
               <a:rPr lang="pt-BR" smtClean="0"/>
-              <a:t>14/10/2019</a:t>
+              <a:t>21/10/2019</a:t>
             </a:fld>
             <a:endParaRPr lang="pt-BR"/>
           </a:p>
@@ -1414,7 +1428,7 @@
           <p:cNvPr id="6" name="Espaço Reservado para Rodapé 5">
             <a:extLst>
               <a:ext uri="{FF2B5EF4-FFF2-40B4-BE49-F238E27FC236}">
-                <a16:creationId xmlns:a16="http://schemas.microsoft.com/office/drawing/2014/main" id="{7AFA33E8-A2C3-40F2-8E6D-0D2CEAAE5427}"/>
+                <a16:creationId xmlns:a16="http://schemas.microsoft.com/office/drawing/2014/main" id="{89304D1B-D307-402F-AA1E-5F260E5C6D04}"/>
               </a:ext>
             </a:extLst>
           </p:cNvPr>
@@ -1439,7 +1453,7 @@
           <p:cNvPr id="7" name="Espaço Reservado para Número de Slide 6">
             <a:extLst>
               <a:ext uri="{FF2B5EF4-FFF2-40B4-BE49-F238E27FC236}">
-                <a16:creationId xmlns:a16="http://schemas.microsoft.com/office/drawing/2014/main" id="{43F415E7-66E0-4822-BC82-29292CDBD3F0}"/>
+                <a16:creationId xmlns:a16="http://schemas.microsoft.com/office/drawing/2014/main" id="{5478CF9D-2B48-44B4-92F6-5707A059039B}"/>
               </a:ext>
             </a:extLst>
           </p:cNvPr>
@@ -1455,7 +1469,7 @@
           <a:bodyPr/>
           <a:lstStyle/>
           <a:p>
-            <a:fld id="{CB34A1D7-1A22-48EC-B28F-06BAB366D035}" type="slidenum">
+            <a:fld id="{C005893D-6254-4B7C-9B8C-25425CF58112}" type="slidenum">
               <a:rPr lang="pt-BR" smtClean="0"/>
               <a:t>‹nº›</a:t>
             </a:fld>
@@ -1466,7 +1480,7 @@
     </p:spTree>
     <p:extLst>
       <p:ext uri="{BB962C8B-B14F-4D97-AF65-F5344CB8AC3E}">
-        <p14:creationId xmlns:p14="http://schemas.microsoft.com/office/powerpoint/2010/main" val="3902551945"/>
+        <p14:creationId xmlns:p14="http://schemas.microsoft.com/office/powerpoint/2010/main" val="4144926939"/>
       </p:ext>
     </p:extLst>
   </p:cSld>
@@ -1498,7 +1512,7 @@
           <p:cNvPr id="2" name="Título 1">
             <a:extLst>
               <a:ext uri="{FF2B5EF4-FFF2-40B4-BE49-F238E27FC236}">
-                <a16:creationId xmlns:a16="http://schemas.microsoft.com/office/drawing/2014/main" id="{54424DBC-6A76-4ADD-8BE3-8F478F46EF8A}"/>
+                <a16:creationId xmlns:a16="http://schemas.microsoft.com/office/drawing/2014/main" id="{891753BA-69B3-4A4B-9F27-CC9FBC81C44F}"/>
               </a:ext>
             </a:extLst>
           </p:cNvPr>
@@ -1531,7 +1545,7 @@
           <p:cNvPr id="3" name="Espaço Reservado para Texto 2">
             <a:extLst>
               <a:ext uri="{FF2B5EF4-FFF2-40B4-BE49-F238E27FC236}">
-                <a16:creationId xmlns:a16="http://schemas.microsoft.com/office/drawing/2014/main" id="{88BB11ED-3F13-41AD-B831-6FF62B722135}"/>
+                <a16:creationId xmlns:a16="http://schemas.microsoft.com/office/drawing/2014/main" id="{8A5564A7-1528-4F0E-B976-63687A818761}"/>
               </a:ext>
             </a:extLst>
           </p:cNvPr>
@@ -1602,7 +1616,7 @@
           <p:cNvPr id="4" name="Espaço Reservado para Conteúdo 3">
             <a:extLst>
               <a:ext uri="{FF2B5EF4-FFF2-40B4-BE49-F238E27FC236}">
-                <a16:creationId xmlns:a16="http://schemas.microsoft.com/office/drawing/2014/main" id="{87FE6574-D974-4FB7-90FE-A843050C0005}"/>
+                <a16:creationId xmlns:a16="http://schemas.microsoft.com/office/drawing/2014/main" id="{40DA3E3A-2FF8-41DD-8CB5-FE1A9D9633FB}"/>
               </a:ext>
             </a:extLst>
           </p:cNvPr>
@@ -1664,7 +1678,7 @@
           <p:cNvPr id="5" name="Espaço Reservado para Texto 4">
             <a:extLst>
               <a:ext uri="{FF2B5EF4-FFF2-40B4-BE49-F238E27FC236}">
-                <a16:creationId xmlns:a16="http://schemas.microsoft.com/office/drawing/2014/main" id="{C6F734A9-1199-4562-BF3A-B4188C48025A}"/>
+                <a16:creationId xmlns:a16="http://schemas.microsoft.com/office/drawing/2014/main" id="{BA72D59C-8232-4E54-9EDA-8C8D66472B72}"/>
               </a:ext>
             </a:extLst>
           </p:cNvPr>
@@ -1735,7 +1749,7 @@
           <p:cNvPr id="6" name="Espaço Reservado para Conteúdo 5">
             <a:extLst>
               <a:ext uri="{FF2B5EF4-FFF2-40B4-BE49-F238E27FC236}">
-                <a16:creationId xmlns:a16="http://schemas.microsoft.com/office/drawing/2014/main" id="{A198AB1B-862B-4C25-A61D-6CEEC2306E27}"/>
+                <a16:creationId xmlns:a16="http://schemas.microsoft.com/office/drawing/2014/main" id="{8B49E56D-1729-4C50-AAFC-56337BB76AFD}"/>
               </a:ext>
             </a:extLst>
           </p:cNvPr>
@@ -1797,7 +1811,7 @@
           <p:cNvPr id="7" name="Espaço Reservado para Data 6">
             <a:extLst>
               <a:ext uri="{FF2B5EF4-FFF2-40B4-BE49-F238E27FC236}">
-                <a16:creationId xmlns:a16="http://schemas.microsoft.com/office/drawing/2014/main" id="{F656A659-10CB-4FD5-8C92-AC0923FD77E9}"/>
+                <a16:creationId xmlns:a16="http://schemas.microsoft.com/office/drawing/2014/main" id="{FCBA9280-79B7-445A-B815-22259B5CE557}"/>
               </a:ext>
             </a:extLst>
           </p:cNvPr>
@@ -1813,9 +1827,9 @@
           <a:bodyPr/>
           <a:lstStyle/>
           <a:p>
-            <a:fld id="{E5D0B1AF-55CB-4560-846D-146AAF2220C9}" type="datetimeFigureOut">
+            <a:fld id="{87180509-AC06-4F4E-9F09-8D89F46DFC56}" type="datetimeFigureOut">
               <a:rPr lang="pt-BR" smtClean="0"/>
-              <a:t>14/10/2019</a:t>
+              <a:t>21/10/2019</a:t>
             </a:fld>
             <a:endParaRPr lang="pt-BR"/>
           </a:p>
@@ -1826,7 +1840,7 @@
           <p:cNvPr id="8" name="Espaço Reservado para Rodapé 7">
             <a:extLst>
               <a:ext uri="{FF2B5EF4-FFF2-40B4-BE49-F238E27FC236}">
-                <a16:creationId xmlns:a16="http://schemas.microsoft.com/office/drawing/2014/main" id="{92D636FE-102A-4C8F-8271-B8ED2B19A8FD}"/>
+                <a16:creationId xmlns:a16="http://schemas.microsoft.com/office/drawing/2014/main" id="{79BD56F3-AE9D-406B-9564-A35BBDFFE401}"/>
               </a:ext>
             </a:extLst>
           </p:cNvPr>
@@ -1851,7 +1865,7 @@
           <p:cNvPr id="9" name="Espaço Reservado para Número de Slide 8">
             <a:extLst>
               <a:ext uri="{FF2B5EF4-FFF2-40B4-BE49-F238E27FC236}">
-                <a16:creationId xmlns:a16="http://schemas.microsoft.com/office/drawing/2014/main" id="{EB81C43E-FB53-437F-ABD7-B73BCF241E5C}"/>
+                <a16:creationId xmlns:a16="http://schemas.microsoft.com/office/drawing/2014/main" id="{DC9E7C9E-89D7-41DE-98C2-358CE97D9674}"/>
               </a:ext>
             </a:extLst>
           </p:cNvPr>
@@ -1867,7 +1881,7 @@
           <a:bodyPr/>
           <a:lstStyle/>
           <a:p>
-            <a:fld id="{CB34A1D7-1A22-48EC-B28F-06BAB366D035}" type="slidenum">
+            <a:fld id="{C005893D-6254-4B7C-9B8C-25425CF58112}" type="slidenum">
               <a:rPr lang="pt-BR" smtClean="0"/>
               <a:t>‹nº›</a:t>
             </a:fld>
@@ -1878,7 +1892,7 @@
     </p:spTree>
     <p:extLst>
       <p:ext uri="{BB962C8B-B14F-4D97-AF65-F5344CB8AC3E}">
-        <p14:creationId xmlns:p14="http://schemas.microsoft.com/office/powerpoint/2010/main" val="869928417"/>
+        <p14:creationId xmlns:p14="http://schemas.microsoft.com/office/powerpoint/2010/main" val="3503117732"/>
       </p:ext>
     </p:extLst>
   </p:cSld>
@@ -1910,7 +1924,7 @@
           <p:cNvPr id="2" name="Título 1">
             <a:extLst>
               <a:ext uri="{FF2B5EF4-FFF2-40B4-BE49-F238E27FC236}">
-                <a16:creationId xmlns:a16="http://schemas.microsoft.com/office/drawing/2014/main" id="{64EF034F-A56B-4029-B5E9-EF4195D4D528}"/>
+                <a16:creationId xmlns:a16="http://schemas.microsoft.com/office/drawing/2014/main" id="{787CAC33-FD83-4416-8029-1ACD6932AD0C}"/>
               </a:ext>
             </a:extLst>
           </p:cNvPr>
@@ -1938,7 +1952,7 @@
           <p:cNvPr id="3" name="Espaço Reservado para Data 2">
             <a:extLst>
               <a:ext uri="{FF2B5EF4-FFF2-40B4-BE49-F238E27FC236}">
-                <a16:creationId xmlns:a16="http://schemas.microsoft.com/office/drawing/2014/main" id="{FB3FB22D-AEC8-47F3-8F15-01D0A28F8CB0}"/>
+                <a16:creationId xmlns:a16="http://schemas.microsoft.com/office/drawing/2014/main" id="{5B6422E2-6BE5-496F-9E49-0CB5BF2AD137}"/>
               </a:ext>
             </a:extLst>
           </p:cNvPr>
@@ -1954,9 +1968,9 @@
           <a:bodyPr/>
           <a:lstStyle/>
           <a:p>
-            <a:fld id="{E5D0B1AF-55CB-4560-846D-146AAF2220C9}" type="datetimeFigureOut">
+            <a:fld id="{87180509-AC06-4F4E-9F09-8D89F46DFC56}" type="datetimeFigureOut">
               <a:rPr lang="pt-BR" smtClean="0"/>
-              <a:t>14/10/2019</a:t>
+              <a:t>21/10/2019</a:t>
             </a:fld>
             <a:endParaRPr lang="pt-BR"/>
           </a:p>
@@ -1967,7 +1981,7 @@
           <p:cNvPr id="4" name="Espaço Reservado para Rodapé 3">
             <a:extLst>
               <a:ext uri="{FF2B5EF4-FFF2-40B4-BE49-F238E27FC236}">
-                <a16:creationId xmlns:a16="http://schemas.microsoft.com/office/drawing/2014/main" id="{1EA76464-27D1-4BFD-9D44-61AAB78E5F85}"/>
+                <a16:creationId xmlns:a16="http://schemas.microsoft.com/office/drawing/2014/main" id="{6E04B506-D68C-4D40-BB31-A7C70F48993E}"/>
               </a:ext>
             </a:extLst>
           </p:cNvPr>
@@ -1992,7 +2006,7 @@
           <p:cNvPr id="5" name="Espaço Reservado para Número de Slide 4">
             <a:extLst>
               <a:ext uri="{FF2B5EF4-FFF2-40B4-BE49-F238E27FC236}">
-                <a16:creationId xmlns:a16="http://schemas.microsoft.com/office/drawing/2014/main" id="{38566826-7E5B-434F-B4C7-05E74962ED76}"/>
+                <a16:creationId xmlns:a16="http://schemas.microsoft.com/office/drawing/2014/main" id="{D62B3A90-F22C-4FB2-B172-F925F63C0C69}"/>
               </a:ext>
             </a:extLst>
           </p:cNvPr>
@@ -2008,7 +2022,7 @@
           <a:bodyPr/>
           <a:lstStyle/>
           <a:p>
-            <a:fld id="{CB34A1D7-1A22-48EC-B28F-06BAB366D035}" type="slidenum">
+            <a:fld id="{C005893D-6254-4B7C-9B8C-25425CF58112}" type="slidenum">
               <a:rPr lang="pt-BR" smtClean="0"/>
               <a:t>‹nº›</a:t>
             </a:fld>
@@ -2019,7 +2033,7 @@
     </p:spTree>
     <p:extLst>
       <p:ext uri="{BB962C8B-B14F-4D97-AF65-F5344CB8AC3E}">
-        <p14:creationId xmlns:p14="http://schemas.microsoft.com/office/powerpoint/2010/main" val="752269016"/>
+        <p14:creationId xmlns:p14="http://schemas.microsoft.com/office/powerpoint/2010/main" val="901407676"/>
       </p:ext>
     </p:extLst>
   </p:cSld>
@@ -2051,7 +2065,7 @@
           <p:cNvPr id="2" name="Espaço Reservado para Data 1">
             <a:extLst>
               <a:ext uri="{FF2B5EF4-FFF2-40B4-BE49-F238E27FC236}">
-                <a16:creationId xmlns:a16="http://schemas.microsoft.com/office/drawing/2014/main" id="{1A305C6C-271B-4621-AFCF-B365348AF7B2}"/>
+                <a16:creationId xmlns:a16="http://schemas.microsoft.com/office/drawing/2014/main" id="{E244EA7F-F699-4E33-8E83-1559CF327704}"/>
               </a:ext>
             </a:extLst>
           </p:cNvPr>
@@ -2067,9 +2081,9 @@
           <a:bodyPr/>
           <a:lstStyle/>
           <a:p>
-            <a:fld id="{E5D0B1AF-55CB-4560-846D-146AAF2220C9}" type="datetimeFigureOut">
+            <a:fld id="{87180509-AC06-4F4E-9F09-8D89F46DFC56}" type="datetimeFigureOut">
               <a:rPr lang="pt-BR" smtClean="0"/>
-              <a:t>14/10/2019</a:t>
+              <a:t>21/10/2019</a:t>
             </a:fld>
             <a:endParaRPr lang="pt-BR"/>
           </a:p>
@@ -2080,7 +2094,7 @@
           <p:cNvPr id="3" name="Espaço Reservado para Rodapé 2">
             <a:extLst>
               <a:ext uri="{FF2B5EF4-FFF2-40B4-BE49-F238E27FC236}">
-                <a16:creationId xmlns:a16="http://schemas.microsoft.com/office/drawing/2014/main" id="{B630F6D9-B073-462E-817B-94FA488FFF27}"/>
+                <a16:creationId xmlns:a16="http://schemas.microsoft.com/office/drawing/2014/main" id="{769DB3A6-E5E5-40A3-B939-59AD6E33BC33}"/>
               </a:ext>
             </a:extLst>
           </p:cNvPr>
@@ -2105,7 +2119,7 @@
           <p:cNvPr id="4" name="Espaço Reservado para Número de Slide 3">
             <a:extLst>
               <a:ext uri="{FF2B5EF4-FFF2-40B4-BE49-F238E27FC236}">
-                <a16:creationId xmlns:a16="http://schemas.microsoft.com/office/drawing/2014/main" id="{C0EFB989-69F0-49D8-B313-D5104B167F0A}"/>
+                <a16:creationId xmlns:a16="http://schemas.microsoft.com/office/drawing/2014/main" id="{3D84F49D-2F39-4FD5-BB98-8E506EC6FF82}"/>
               </a:ext>
             </a:extLst>
           </p:cNvPr>
@@ -2121,7 +2135,7 @@
           <a:bodyPr/>
           <a:lstStyle/>
           <a:p>
-            <a:fld id="{CB34A1D7-1A22-48EC-B28F-06BAB366D035}" type="slidenum">
+            <a:fld id="{C005893D-6254-4B7C-9B8C-25425CF58112}" type="slidenum">
               <a:rPr lang="pt-BR" smtClean="0"/>
               <a:t>‹nº›</a:t>
             </a:fld>
@@ -2132,7 +2146,7 @@
     </p:spTree>
     <p:extLst>
       <p:ext uri="{BB962C8B-B14F-4D97-AF65-F5344CB8AC3E}">
-        <p14:creationId xmlns:p14="http://schemas.microsoft.com/office/powerpoint/2010/main" val="3580199242"/>
+        <p14:creationId xmlns:p14="http://schemas.microsoft.com/office/powerpoint/2010/main" val="1308409411"/>
       </p:ext>
     </p:extLst>
   </p:cSld>
@@ -2164,7 +2178,7 @@
           <p:cNvPr id="2" name="Título 1">
             <a:extLst>
               <a:ext uri="{FF2B5EF4-FFF2-40B4-BE49-F238E27FC236}">
-                <a16:creationId xmlns:a16="http://schemas.microsoft.com/office/drawing/2014/main" id="{E2AC2863-8BC2-4117-AD51-77F94F999A4B}"/>
+                <a16:creationId xmlns:a16="http://schemas.microsoft.com/office/drawing/2014/main" id="{FEAC6FD9-3581-4D94-A4CF-8CF54CD6E559}"/>
               </a:ext>
             </a:extLst>
           </p:cNvPr>
@@ -2201,7 +2215,7 @@
           <p:cNvPr id="3" name="Espaço Reservado para Conteúdo 2">
             <a:extLst>
               <a:ext uri="{FF2B5EF4-FFF2-40B4-BE49-F238E27FC236}">
-                <a16:creationId xmlns:a16="http://schemas.microsoft.com/office/drawing/2014/main" id="{3D8CC7AE-4D00-4F81-A5BD-8BA7A0F02F0F}"/>
+                <a16:creationId xmlns:a16="http://schemas.microsoft.com/office/drawing/2014/main" id="{39946631-32DD-4BCB-B5D6-B65247918165}"/>
               </a:ext>
             </a:extLst>
           </p:cNvPr>
@@ -2291,7 +2305,7 @@
           <p:cNvPr id="4" name="Espaço Reservado para Texto 3">
             <a:extLst>
               <a:ext uri="{FF2B5EF4-FFF2-40B4-BE49-F238E27FC236}">
-                <a16:creationId xmlns:a16="http://schemas.microsoft.com/office/drawing/2014/main" id="{DE69531F-49D5-4449-9306-EC8B7F2E85F6}"/>
+                <a16:creationId xmlns:a16="http://schemas.microsoft.com/office/drawing/2014/main" id="{688AAFB6-E35D-4C13-8456-431E69F78BC5}"/>
               </a:ext>
             </a:extLst>
           </p:cNvPr>
@@ -2362,7 +2376,7 @@
           <p:cNvPr id="5" name="Espaço Reservado para Data 4">
             <a:extLst>
               <a:ext uri="{FF2B5EF4-FFF2-40B4-BE49-F238E27FC236}">
-                <a16:creationId xmlns:a16="http://schemas.microsoft.com/office/drawing/2014/main" id="{EFDD515A-028A-49D5-91A5-28E9853FB255}"/>
+                <a16:creationId xmlns:a16="http://schemas.microsoft.com/office/drawing/2014/main" id="{34DEE4D7-B6E5-40E2-B46A-1FFB3A308D74}"/>
               </a:ext>
             </a:extLst>
           </p:cNvPr>
@@ -2378,9 +2392,9 @@
           <a:bodyPr/>
           <a:lstStyle/>
           <a:p>
-            <a:fld id="{E5D0B1AF-55CB-4560-846D-146AAF2220C9}" type="datetimeFigureOut">
+            <a:fld id="{87180509-AC06-4F4E-9F09-8D89F46DFC56}" type="datetimeFigureOut">
               <a:rPr lang="pt-BR" smtClean="0"/>
-              <a:t>14/10/2019</a:t>
+              <a:t>21/10/2019</a:t>
             </a:fld>
             <a:endParaRPr lang="pt-BR"/>
           </a:p>
@@ -2391,7 +2405,7 @@
           <p:cNvPr id="6" name="Espaço Reservado para Rodapé 5">
             <a:extLst>
               <a:ext uri="{FF2B5EF4-FFF2-40B4-BE49-F238E27FC236}">
-                <a16:creationId xmlns:a16="http://schemas.microsoft.com/office/drawing/2014/main" id="{862EE923-B4AB-4732-8584-CD8C064007FA}"/>
+                <a16:creationId xmlns:a16="http://schemas.microsoft.com/office/drawing/2014/main" id="{5ED3E485-94AD-4DB8-B012-C6E9178DFC35}"/>
               </a:ext>
             </a:extLst>
           </p:cNvPr>
@@ -2416,7 +2430,7 @@
           <p:cNvPr id="7" name="Espaço Reservado para Número de Slide 6">
             <a:extLst>
               <a:ext uri="{FF2B5EF4-FFF2-40B4-BE49-F238E27FC236}">
-                <a16:creationId xmlns:a16="http://schemas.microsoft.com/office/drawing/2014/main" id="{C24925F7-9EE4-4149-9F35-DCEC10CF1492}"/>
+                <a16:creationId xmlns:a16="http://schemas.microsoft.com/office/drawing/2014/main" id="{75733143-51EF-455B-BD6A-A572072E1FD2}"/>
               </a:ext>
             </a:extLst>
           </p:cNvPr>
@@ -2432,7 +2446,7 @@
           <a:bodyPr/>
           <a:lstStyle/>
           <a:p>
-            <a:fld id="{CB34A1D7-1A22-48EC-B28F-06BAB366D035}" type="slidenum">
+            <a:fld id="{C005893D-6254-4B7C-9B8C-25425CF58112}" type="slidenum">
               <a:rPr lang="pt-BR" smtClean="0"/>
               <a:t>‹nº›</a:t>
             </a:fld>
@@ -2443,7 +2457,7 @@
     </p:spTree>
     <p:extLst>
       <p:ext uri="{BB962C8B-B14F-4D97-AF65-F5344CB8AC3E}">
-        <p14:creationId xmlns:p14="http://schemas.microsoft.com/office/powerpoint/2010/main" val="3184291199"/>
+        <p14:creationId xmlns:p14="http://schemas.microsoft.com/office/powerpoint/2010/main" val="1252795681"/>
       </p:ext>
     </p:extLst>
   </p:cSld>
@@ -2475,7 +2489,7 @@
           <p:cNvPr id="2" name="Título 1">
             <a:extLst>
               <a:ext uri="{FF2B5EF4-FFF2-40B4-BE49-F238E27FC236}">
-                <a16:creationId xmlns:a16="http://schemas.microsoft.com/office/drawing/2014/main" id="{22F1BEDC-2A89-4201-9B84-1BE2EF69A735}"/>
+                <a16:creationId xmlns:a16="http://schemas.microsoft.com/office/drawing/2014/main" id="{C669364C-1E22-4D6D-AF53-53C6DD4D1F85}"/>
               </a:ext>
             </a:extLst>
           </p:cNvPr>
@@ -2512,7 +2526,7 @@
           <p:cNvPr id="3" name="Espaço Reservado para Imagem 2">
             <a:extLst>
               <a:ext uri="{FF2B5EF4-FFF2-40B4-BE49-F238E27FC236}">
-                <a16:creationId xmlns:a16="http://schemas.microsoft.com/office/drawing/2014/main" id="{D9BCA654-2005-40D5-A07C-B0EBA80C266E}"/>
+                <a16:creationId xmlns:a16="http://schemas.microsoft.com/office/drawing/2014/main" id="{BFF4579E-CDF3-42CD-859D-7C8EEC925FC7}"/>
               </a:ext>
             </a:extLst>
           </p:cNvPr>
@@ -2579,7 +2593,7 @@
           <p:cNvPr id="4" name="Espaço Reservado para Texto 3">
             <a:extLst>
               <a:ext uri="{FF2B5EF4-FFF2-40B4-BE49-F238E27FC236}">
-                <a16:creationId xmlns:a16="http://schemas.microsoft.com/office/drawing/2014/main" id="{B891AB44-A83B-493E-8E11-E4DE904759D5}"/>
+                <a16:creationId xmlns:a16="http://schemas.microsoft.com/office/drawing/2014/main" id="{2B15B355-D9D3-4015-8465-86132A9B5D2C}"/>
               </a:ext>
             </a:extLst>
           </p:cNvPr>
@@ -2650,7 +2664,7 @@
           <p:cNvPr id="5" name="Espaço Reservado para Data 4">
             <a:extLst>
               <a:ext uri="{FF2B5EF4-FFF2-40B4-BE49-F238E27FC236}">
-                <a16:creationId xmlns:a16="http://schemas.microsoft.com/office/drawing/2014/main" id="{21FC2E77-4AEB-47BA-909D-C4C62CB4BDF0}"/>
+                <a16:creationId xmlns:a16="http://schemas.microsoft.com/office/drawing/2014/main" id="{C620E34C-F058-46DF-8FB9-67DDAC8903A6}"/>
               </a:ext>
             </a:extLst>
           </p:cNvPr>
@@ -2666,9 +2680,9 @@
           <a:bodyPr/>
           <a:lstStyle/>
           <a:p>
-            <a:fld id="{E5D0B1AF-55CB-4560-846D-146AAF2220C9}" type="datetimeFigureOut">
+            <a:fld id="{87180509-AC06-4F4E-9F09-8D89F46DFC56}" type="datetimeFigureOut">
               <a:rPr lang="pt-BR" smtClean="0"/>
-              <a:t>14/10/2019</a:t>
+              <a:t>21/10/2019</a:t>
             </a:fld>
             <a:endParaRPr lang="pt-BR"/>
           </a:p>
@@ -2679,7 +2693,7 @@
           <p:cNvPr id="6" name="Espaço Reservado para Rodapé 5">
             <a:extLst>
               <a:ext uri="{FF2B5EF4-FFF2-40B4-BE49-F238E27FC236}">
-                <a16:creationId xmlns:a16="http://schemas.microsoft.com/office/drawing/2014/main" id="{0BCCA326-EEDD-4A9C-914C-E060D606188A}"/>
+                <a16:creationId xmlns:a16="http://schemas.microsoft.com/office/drawing/2014/main" id="{9AAB7508-BFD8-4661-988F-006F845FF8B5}"/>
               </a:ext>
             </a:extLst>
           </p:cNvPr>
@@ -2704,7 +2718,7 @@
           <p:cNvPr id="7" name="Espaço Reservado para Número de Slide 6">
             <a:extLst>
               <a:ext uri="{FF2B5EF4-FFF2-40B4-BE49-F238E27FC236}">
-                <a16:creationId xmlns:a16="http://schemas.microsoft.com/office/drawing/2014/main" id="{74BF5D58-E7AD-41A0-AEA7-647281AB4E0A}"/>
+                <a16:creationId xmlns:a16="http://schemas.microsoft.com/office/drawing/2014/main" id="{DC925564-7BA5-433D-89D5-576B988E6903}"/>
               </a:ext>
             </a:extLst>
           </p:cNvPr>
@@ -2720,7 +2734,7 @@
           <a:bodyPr/>
           <a:lstStyle/>
           <a:p>
-            <a:fld id="{CB34A1D7-1A22-48EC-B28F-06BAB366D035}" type="slidenum">
+            <a:fld id="{C005893D-6254-4B7C-9B8C-25425CF58112}" type="slidenum">
               <a:rPr lang="pt-BR" smtClean="0"/>
               <a:t>‹nº›</a:t>
             </a:fld>
@@ -2731,7 +2745,7 @@
     </p:spTree>
     <p:extLst>
       <p:ext uri="{BB962C8B-B14F-4D97-AF65-F5344CB8AC3E}">
-        <p14:creationId xmlns:p14="http://schemas.microsoft.com/office/powerpoint/2010/main" val="1612951726"/>
+        <p14:creationId xmlns:p14="http://schemas.microsoft.com/office/powerpoint/2010/main" val="3321762413"/>
       </p:ext>
     </p:extLst>
   </p:cSld>
@@ -2768,7 +2782,7 @@
           <p:cNvPr id="2" name="Espaço Reservado para Título 1">
             <a:extLst>
               <a:ext uri="{FF2B5EF4-FFF2-40B4-BE49-F238E27FC236}">
-                <a16:creationId xmlns:a16="http://schemas.microsoft.com/office/drawing/2014/main" id="{515D77E5-D608-4356-8493-7A2DF2098CD7}"/>
+                <a16:creationId xmlns:a16="http://schemas.microsoft.com/office/drawing/2014/main" id="{D1DB173F-D164-4C9D-88C7-4BD92E74AAD4}"/>
               </a:ext>
             </a:extLst>
           </p:cNvPr>
@@ -2806,7 +2820,7 @@
           <p:cNvPr id="3" name="Espaço Reservado para Texto 2">
             <a:extLst>
               <a:ext uri="{FF2B5EF4-FFF2-40B4-BE49-F238E27FC236}">
-                <a16:creationId xmlns:a16="http://schemas.microsoft.com/office/drawing/2014/main" id="{1C8AD7CE-600C-4A63-A795-A7464A5C1890}"/>
+                <a16:creationId xmlns:a16="http://schemas.microsoft.com/office/drawing/2014/main" id="{DF86DCE0-6D8C-4242-837B-80930D5B2C8C}"/>
               </a:ext>
             </a:extLst>
           </p:cNvPr>
@@ -2873,7 +2887,7 @@
           <p:cNvPr id="4" name="Espaço Reservado para Data 3">
             <a:extLst>
               <a:ext uri="{FF2B5EF4-FFF2-40B4-BE49-F238E27FC236}">
-                <a16:creationId xmlns:a16="http://schemas.microsoft.com/office/drawing/2014/main" id="{B6EEE55C-41FA-4F1A-971F-B9419BE98EEE}"/>
+                <a16:creationId xmlns:a16="http://schemas.microsoft.com/office/drawing/2014/main" id="{FBC55C5B-3D50-4C07-B555-A5581AC2F34C}"/>
               </a:ext>
             </a:extLst>
           </p:cNvPr>
@@ -2907,9 +2921,9 @@
             </a:lvl1pPr>
           </a:lstStyle>
           <a:p>
-            <a:fld id="{E5D0B1AF-55CB-4560-846D-146AAF2220C9}" type="datetimeFigureOut">
+            <a:fld id="{87180509-AC06-4F4E-9F09-8D89F46DFC56}" type="datetimeFigureOut">
               <a:rPr lang="pt-BR" smtClean="0"/>
-              <a:t>14/10/2019</a:t>
+              <a:t>21/10/2019</a:t>
             </a:fld>
             <a:endParaRPr lang="pt-BR"/>
           </a:p>
@@ -2920,7 +2934,7 @@
           <p:cNvPr id="5" name="Espaço Reservado para Rodapé 4">
             <a:extLst>
               <a:ext uri="{FF2B5EF4-FFF2-40B4-BE49-F238E27FC236}">
-                <a16:creationId xmlns:a16="http://schemas.microsoft.com/office/drawing/2014/main" id="{06A9EC8B-38B9-4A00-97EF-4831377A57CC}"/>
+                <a16:creationId xmlns:a16="http://schemas.microsoft.com/office/drawing/2014/main" id="{843F3B99-FFBF-49F8-800E-F9F954978A41}"/>
               </a:ext>
             </a:extLst>
           </p:cNvPr>
@@ -2963,7 +2977,7 @@
           <p:cNvPr id="6" name="Espaço Reservado para Número de Slide 5">
             <a:extLst>
               <a:ext uri="{FF2B5EF4-FFF2-40B4-BE49-F238E27FC236}">
-                <a16:creationId xmlns:a16="http://schemas.microsoft.com/office/drawing/2014/main" id="{E5471F86-45BE-40D0-8A2A-48060AF7C008}"/>
+                <a16:creationId xmlns:a16="http://schemas.microsoft.com/office/drawing/2014/main" id="{55D76821-AE75-4EB5-BBF2-1698D1CC2E39}"/>
               </a:ext>
             </a:extLst>
           </p:cNvPr>
@@ -2997,7 +3011,7 @@
             </a:lvl1pPr>
           </a:lstStyle>
           <a:p>
-            <a:fld id="{CB34A1D7-1A22-48EC-B28F-06BAB366D035}" type="slidenum">
+            <a:fld id="{C005893D-6254-4B7C-9B8C-25425CF58112}" type="slidenum">
               <a:rPr lang="pt-BR" smtClean="0"/>
               <a:t>‹nº›</a:t>
             </a:fld>
@@ -3008,7 +3022,7 @@
     </p:spTree>
     <p:extLst>
       <p:ext uri="{BB962C8B-B14F-4D97-AF65-F5344CB8AC3E}">
-        <p14:creationId xmlns:p14="http://schemas.microsoft.com/office/powerpoint/2010/main" val="4179034282"/>
+        <p14:creationId xmlns:p14="http://schemas.microsoft.com/office/powerpoint/2010/main" val="1298541400"/>
       </p:ext>
     </p:extLst>
   </p:cSld>
@@ -3331,7 +3345,7 @@
           <p:cNvPr id="2" name="Título 1">
             <a:extLst>
               <a:ext uri="{FF2B5EF4-FFF2-40B4-BE49-F238E27FC236}">
-                <a16:creationId xmlns:a16="http://schemas.microsoft.com/office/drawing/2014/main" id="{4365F9A1-EA43-4E01-AD52-A4081E003FC6}"/>
+                <a16:creationId xmlns:a16="http://schemas.microsoft.com/office/drawing/2014/main" id="{94FD9A0D-3778-4FFD-A2F2-A5237C2AFBE9}"/>
               </a:ext>
             </a:extLst>
           </p:cNvPr>
@@ -3359,7 +3373,7 @@
           <p:cNvPr id="3" name="Subtítulo 2">
             <a:extLst>
               <a:ext uri="{FF2B5EF4-FFF2-40B4-BE49-F238E27FC236}">
-                <a16:creationId xmlns:a16="http://schemas.microsoft.com/office/drawing/2014/main" id="{CE1349C4-F61F-400A-A7CA-E390AA19E65A}"/>
+                <a16:creationId xmlns:a16="http://schemas.microsoft.com/office/drawing/2014/main" id="{5A66B540-5174-43CA-86F4-2FCF75173447}"/>
               </a:ext>
             </a:extLst>
           </p:cNvPr>
@@ -3378,6 +3392,167 @@
             <a:r>
               <a:rPr lang="pt-BR" dirty="0"/>
               <a:t>Projeto</a:t>
+            </a:r>
+          </a:p>
+        </p:txBody>
+      </p:sp>
+      <p:sp>
+        <p:nvSpPr>
+          <p:cNvPr id="4" name="Retângulo 3">
+            <a:extLst>
+              <a:ext uri="{FF2B5EF4-FFF2-40B4-BE49-F238E27FC236}">
+                <a16:creationId xmlns:a16="http://schemas.microsoft.com/office/drawing/2014/main" id="{11249EAF-87EF-4497-BADF-9350B915715F}"/>
+              </a:ext>
+            </a:extLst>
+          </p:cNvPr>
+          <p:cNvSpPr/>
+          <p:nvPr/>
+        </p:nvSpPr>
+        <p:spPr>
+          <a:xfrm>
+            <a:off x="0" y="6654055"/>
+            <a:ext cx="1270000" cy="153888"/>
+          </a:xfrm>
+          <a:prstGeom prst="rect">
+            <a:avLst/>
+          </a:prstGeom>
+          <a:noFill/>
+          <a:ln w="12700" cap="flat" cmpd="sng" algn="ctr">
+            <a:noFill/>
+            <a:prstDash val="solid"/>
+            <a:miter lim="800000"/>
+          </a:ln>
+          <a:effectLst/>
+          <a:extLst>
+            <a:ext uri="{909E8E84-426E-40DD-AFC4-6F175D3DCCD1}">
+              <a14:hiddenFill xmlns:a14="http://schemas.microsoft.com/office/drawing/2010/main">
+                <a:solidFill>
+                  <a:schemeClr val="accent1"/>
+                </a:solidFill>
+              </a14:hiddenFill>
+            </a:ext>
+            <a:ext uri="{91240B29-F687-4F45-9708-019B960494DF}">
+              <a14:hiddenLine xmlns:a14="http://schemas.microsoft.com/office/drawing/2010/main" w="12700" cap="flat" cmpd="sng" algn="ctr">
+                <a:solidFill>
+                  <a:schemeClr val="accent1">
+                    <a:shade val="50000"/>
+                  </a:schemeClr>
+                </a:solidFill>
+                <a:prstDash val="solid"/>
+                <a:miter lim="800000"/>
+              </a14:hiddenLine>
+            </a:ext>
+          </a:extLst>
+        </p:spPr>
+        <p:style>
+          <a:lnRef idx="2">
+            <a:schemeClr val="accent1">
+              <a:shade val="50000"/>
+            </a:schemeClr>
+          </a:lnRef>
+          <a:fillRef idx="1">
+            <a:schemeClr val="accent1"/>
+          </a:fillRef>
+          <a:effectRef idx="0">
+            <a:schemeClr val="accent1"/>
+          </a:effectRef>
+          <a:fontRef idx="minor">
+            <a:schemeClr val="lt1"/>
+          </a:fontRef>
+        </p:style>
+        <p:txBody>
+          <a:bodyPr lIns="0" tIns="0" rIns="0" bIns="0" rtlCol="0" anchor="ctr">
+            <a:spAutoFit/>
+          </a:bodyPr>
+          <a:lstStyle/>
+          <a:p>
+            <a:pPr algn="ctr"/>
+            <a:endParaRPr lang="pt-BR" sz="1000">
+              <a:solidFill>
+                <a:srgbClr val="000000"/>
+              </a:solidFill>
+            </a:endParaRPr>
+          </a:p>
+        </p:txBody>
+      </p:sp>
+      <p:sp>
+        <p:nvSpPr>
+          <p:cNvPr id="5" name="Retângulo 4">
+            <a:extLst>
+              <a:ext uri="{FF2B5EF4-FFF2-40B4-BE49-F238E27FC236}">
+                <a16:creationId xmlns:a16="http://schemas.microsoft.com/office/drawing/2014/main" id="{2595E261-ACF7-4463-B45E-DCAC0AD95263}"/>
+              </a:ext>
+            </a:extLst>
+          </p:cNvPr>
+          <p:cNvSpPr/>
+          <p:nvPr/>
+        </p:nvSpPr>
+        <p:spPr>
+          <a:xfrm>
+            <a:off x="0" y="6654055"/>
+            <a:ext cx="1270000" cy="153888"/>
+          </a:xfrm>
+          <a:prstGeom prst="rect">
+            <a:avLst/>
+          </a:prstGeom>
+          <a:noFill/>
+          <a:ln w="12700" cap="flat" cmpd="sng" algn="ctr">
+            <a:noFill/>
+            <a:prstDash val="solid"/>
+            <a:miter lim="800000"/>
+          </a:ln>
+          <a:effectLst/>
+          <a:extLst>
+            <a:ext uri="{909E8E84-426E-40DD-AFC4-6F175D3DCCD1}">
+              <a14:hiddenFill xmlns:a14="http://schemas.microsoft.com/office/drawing/2010/main">
+                <a:solidFill>
+                  <a:schemeClr val="accent1"/>
+                </a:solidFill>
+              </a14:hiddenFill>
+            </a:ext>
+            <a:ext uri="{91240B29-F687-4F45-9708-019B960494DF}">
+              <a14:hiddenLine xmlns:a14="http://schemas.microsoft.com/office/drawing/2010/main" w="12700" cap="flat" cmpd="sng" algn="ctr">
+                <a:solidFill>
+                  <a:schemeClr val="accent1">
+                    <a:shade val="50000"/>
+                  </a:schemeClr>
+                </a:solidFill>
+                <a:prstDash val="solid"/>
+                <a:miter lim="800000"/>
+              </a14:hiddenLine>
+            </a:ext>
+          </a:extLst>
+        </p:spPr>
+        <p:style>
+          <a:lnRef idx="2">
+            <a:schemeClr val="accent1">
+              <a:shade val="50000"/>
+            </a:schemeClr>
+          </a:lnRef>
+          <a:fillRef idx="1">
+            <a:schemeClr val="accent1"/>
+          </a:fillRef>
+          <a:effectRef idx="0">
+            <a:schemeClr val="accent1"/>
+          </a:effectRef>
+          <a:fontRef idx="minor">
+            <a:schemeClr val="lt1"/>
+          </a:fontRef>
+        </p:style>
+        <p:txBody>
+          <a:bodyPr lIns="0" tIns="0" rIns="0" bIns="0" rtlCol="0" anchor="ctr">
+            <a:spAutoFit/>
+          </a:bodyPr>
+          <a:lstStyle/>
+          <a:p>
+            <a:pPr algn="ctr"/>
+            <a:r>
+              <a:rPr lang="pt-BR" sz="1000">
+                <a:solidFill>
+                  <a:srgbClr val="000000"/>
+                </a:solidFill>
+              </a:rPr>
+              <a:t>Unrestricted</a:t>
             </a:r>
           </a:p>
         </p:txBody>
@@ -3385,7 +3560,779 @@
     </p:spTree>
     <p:extLst>
       <p:ext uri="{BB962C8B-B14F-4D97-AF65-F5344CB8AC3E}">
-        <p14:creationId xmlns:p14="http://schemas.microsoft.com/office/powerpoint/2010/main" val="1640031389"/>
+        <p14:creationId xmlns:p14="http://schemas.microsoft.com/office/powerpoint/2010/main" val="68294207"/>
+      </p:ext>
+    </p:extLst>
+  </p:cSld>
+  <p:clrMapOvr>
+    <a:masterClrMapping/>
+  </p:clrMapOvr>
+</p:sld>
+</file>
+
+<file path=ppt/slides/slide10.xml><?xml version="1.0" encoding="utf-8"?>
+<p:sld xmlns:a="http://schemas.openxmlformats.org/drawingml/2006/main" xmlns:r="http://schemas.openxmlformats.org/officeDocument/2006/relationships" xmlns:p="http://schemas.openxmlformats.org/presentationml/2006/main">
+  <p:cSld>
+    <p:spTree>
+      <p:nvGrpSpPr>
+        <p:cNvPr id="1" name=""/>
+        <p:cNvGrpSpPr/>
+        <p:nvPr/>
+      </p:nvGrpSpPr>
+      <p:grpSpPr>
+        <a:xfrm>
+          <a:off x="0" y="0"/>
+          <a:ext cx="0" cy="0"/>
+          <a:chOff x="0" y="0"/>
+          <a:chExt cx="0" cy="0"/>
+        </a:xfrm>
+      </p:grpSpPr>
+      <p:sp>
+        <p:nvSpPr>
+          <p:cNvPr id="2" name="Título 1">
+            <a:extLst>
+              <a:ext uri="{FF2B5EF4-FFF2-40B4-BE49-F238E27FC236}">
+                <a16:creationId xmlns:a16="http://schemas.microsoft.com/office/drawing/2014/main" id="{DEFBFFD8-6827-40BD-AF74-83AEE23683E3}"/>
+              </a:ext>
+            </a:extLst>
+          </p:cNvPr>
+          <p:cNvSpPr>
+            <a:spLocks noGrp="1"/>
+          </p:cNvSpPr>
+          <p:nvPr>
+            <p:ph type="title"/>
+          </p:nvPr>
+        </p:nvSpPr>
+        <p:spPr>
+          <a:xfrm>
+            <a:off x="838200" y="18255"/>
+            <a:ext cx="10515600" cy="1028667"/>
+          </a:xfrm>
+        </p:spPr>
+        <p:txBody>
+          <a:bodyPr/>
+          <a:lstStyle/>
+          <a:p>
+            <a:r>
+              <a:rPr lang="pt-BR" dirty="0"/>
+              <a:t>Projeto de Arquitetura</a:t>
+            </a:r>
+          </a:p>
+        </p:txBody>
+      </p:sp>
+      <p:sp>
+        <p:nvSpPr>
+          <p:cNvPr id="3" name="Espaço Reservado para Conteúdo 2">
+            <a:extLst>
+              <a:ext uri="{FF2B5EF4-FFF2-40B4-BE49-F238E27FC236}">
+                <a16:creationId xmlns:a16="http://schemas.microsoft.com/office/drawing/2014/main" id="{5F3466FD-35E8-4B43-A05B-84248CFE72FF}"/>
+              </a:ext>
+            </a:extLst>
+          </p:cNvPr>
+          <p:cNvSpPr>
+            <a:spLocks noGrp="1"/>
+          </p:cNvSpPr>
+          <p:nvPr>
+            <p:ph idx="1"/>
+          </p:nvPr>
+        </p:nvSpPr>
+        <p:spPr>
+          <a:xfrm>
+            <a:off x="838200" y="1046923"/>
+            <a:ext cx="10515600" cy="1245704"/>
+          </a:xfrm>
+        </p:spPr>
+        <p:txBody>
+          <a:bodyPr/>
+          <a:lstStyle/>
+          <a:p>
+            <a:r>
+              <a:rPr lang="pt-BR" dirty="0"/>
+              <a:t>Diagrama de Atividade: Mostra o fluxo sequencial das atividades. É usado tipicamente para indicar o comportamento da operação, fluxo de eventos ou a trilha de evento do Caso de Uso.</a:t>
+            </a:r>
+          </a:p>
+        </p:txBody>
+      </p:sp>
+      <p:pic>
+        <p:nvPicPr>
+          <p:cNvPr id="4" name="Imagem 3">
+            <a:extLst>
+              <a:ext uri="{FF2B5EF4-FFF2-40B4-BE49-F238E27FC236}">
+                <a16:creationId xmlns:a16="http://schemas.microsoft.com/office/drawing/2014/main" id="{40B705A8-4E9E-4CED-9239-A9F86C714D8B}"/>
+              </a:ext>
+            </a:extLst>
+          </p:cNvPr>
+          <p:cNvPicPr>
+            <a:picLocks noChangeAspect="1"/>
+          </p:cNvPicPr>
+          <p:nvPr/>
+        </p:nvPicPr>
+        <p:blipFill>
+          <a:blip r:embed="rId2"/>
+          <a:stretch>
+            <a:fillRect/>
+          </a:stretch>
+        </p:blipFill>
+        <p:spPr>
+          <a:xfrm>
+            <a:off x="2490787" y="2200275"/>
+            <a:ext cx="6638925" cy="4657725"/>
+          </a:xfrm>
+          <a:prstGeom prst="rect">
+            <a:avLst/>
+          </a:prstGeom>
+        </p:spPr>
+      </p:pic>
+    </p:spTree>
+    <p:extLst>
+      <p:ext uri="{BB962C8B-B14F-4D97-AF65-F5344CB8AC3E}">
+        <p14:creationId xmlns:p14="http://schemas.microsoft.com/office/powerpoint/2010/main" val="1023824666"/>
+      </p:ext>
+    </p:extLst>
+  </p:cSld>
+  <p:clrMapOvr>
+    <a:masterClrMapping/>
+  </p:clrMapOvr>
+</p:sld>
+</file>
+
+<file path=ppt/slides/slide11.xml><?xml version="1.0" encoding="utf-8"?>
+<p:sld xmlns:a="http://schemas.openxmlformats.org/drawingml/2006/main" xmlns:r="http://schemas.openxmlformats.org/officeDocument/2006/relationships" xmlns:p="http://schemas.openxmlformats.org/presentationml/2006/main">
+  <p:cSld>
+    <p:spTree>
+      <p:nvGrpSpPr>
+        <p:cNvPr id="1" name=""/>
+        <p:cNvGrpSpPr/>
+        <p:nvPr/>
+      </p:nvGrpSpPr>
+      <p:grpSpPr>
+        <a:xfrm>
+          <a:off x="0" y="0"/>
+          <a:ext cx="0" cy="0"/>
+          <a:chOff x="0" y="0"/>
+          <a:chExt cx="0" cy="0"/>
+        </a:xfrm>
+      </p:grpSpPr>
+      <p:sp>
+        <p:nvSpPr>
+          <p:cNvPr id="2" name="Título 1">
+            <a:extLst>
+              <a:ext uri="{FF2B5EF4-FFF2-40B4-BE49-F238E27FC236}">
+                <a16:creationId xmlns:a16="http://schemas.microsoft.com/office/drawing/2014/main" id="{69B9E66C-8A03-4060-851F-440FD8EF7113}"/>
+              </a:ext>
+            </a:extLst>
+          </p:cNvPr>
+          <p:cNvSpPr>
+            <a:spLocks noGrp="1"/>
+          </p:cNvSpPr>
+          <p:nvPr>
+            <p:ph type="title"/>
+          </p:nvPr>
+        </p:nvSpPr>
+        <p:spPr>
+          <a:xfrm>
+            <a:off x="838200" y="1"/>
+            <a:ext cx="10515600" cy="914400"/>
+          </a:xfrm>
+        </p:spPr>
+        <p:txBody>
+          <a:bodyPr/>
+          <a:lstStyle/>
+          <a:p>
+            <a:r>
+              <a:rPr lang="pt-BR" dirty="0"/>
+              <a:t>Projeto de Arquitetura</a:t>
+            </a:r>
+          </a:p>
+        </p:txBody>
+      </p:sp>
+      <p:sp>
+        <p:nvSpPr>
+          <p:cNvPr id="3" name="Espaço Reservado para Conteúdo 2">
+            <a:extLst>
+              <a:ext uri="{FF2B5EF4-FFF2-40B4-BE49-F238E27FC236}">
+                <a16:creationId xmlns:a16="http://schemas.microsoft.com/office/drawing/2014/main" id="{73B0C2A3-1BE2-41E7-A055-CB706A98E931}"/>
+              </a:ext>
+            </a:extLst>
+          </p:cNvPr>
+          <p:cNvSpPr>
+            <a:spLocks noGrp="1"/>
+          </p:cNvSpPr>
+          <p:nvPr>
+            <p:ph idx="1"/>
+          </p:nvPr>
+        </p:nvSpPr>
+        <p:spPr>
+          <a:xfrm>
+            <a:off x="838200" y="914401"/>
+            <a:ext cx="10515600" cy="1961321"/>
+          </a:xfrm>
+        </p:spPr>
+        <p:txBody>
+          <a:bodyPr>
+            <a:normAutofit lnSpcReduction="10000"/>
+          </a:bodyPr>
+          <a:lstStyle/>
+          <a:p>
+            <a:r>
+              <a:rPr lang="pt-BR" dirty="0"/>
+              <a:t>Diagrama de Sequencia: Indica o comportamento dinâmico colaborativo entre objetos para a sequência de mensagem enviada entre eles, em uma sequência de tempo. A sequência de tempo é mais fácil de visualizar em um diagrama de sequência, do topo até a base.</a:t>
+            </a:r>
+          </a:p>
+        </p:txBody>
+      </p:sp>
+      <p:pic>
+        <p:nvPicPr>
+          <p:cNvPr id="4" name="Imagem 3">
+            <a:extLst>
+              <a:ext uri="{FF2B5EF4-FFF2-40B4-BE49-F238E27FC236}">
+                <a16:creationId xmlns:a16="http://schemas.microsoft.com/office/drawing/2014/main" id="{94DD2CD8-C231-4C30-84CD-E9BEC4509EF5}"/>
+              </a:ext>
+            </a:extLst>
+          </p:cNvPr>
+          <p:cNvPicPr>
+            <a:picLocks noChangeAspect="1"/>
+          </p:cNvPicPr>
+          <p:nvPr/>
+        </p:nvPicPr>
+        <p:blipFill>
+          <a:blip r:embed="rId2"/>
+          <a:stretch>
+            <a:fillRect/>
+          </a:stretch>
+        </p:blipFill>
+        <p:spPr>
+          <a:xfrm>
+            <a:off x="2090737" y="2620410"/>
+            <a:ext cx="8010525" cy="4109003"/>
+          </a:xfrm>
+          <a:prstGeom prst="rect">
+            <a:avLst/>
+          </a:prstGeom>
+        </p:spPr>
+      </p:pic>
+    </p:spTree>
+    <p:extLst>
+      <p:ext uri="{BB962C8B-B14F-4D97-AF65-F5344CB8AC3E}">
+        <p14:creationId xmlns:p14="http://schemas.microsoft.com/office/powerpoint/2010/main" val="3462797269"/>
+      </p:ext>
+    </p:extLst>
+  </p:cSld>
+  <p:clrMapOvr>
+    <a:masterClrMapping/>
+  </p:clrMapOvr>
+</p:sld>
+</file>
+
+<file path=ppt/slides/slide12.xml><?xml version="1.0" encoding="utf-8"?>
+<p:sld xmlns:a="http://schemas.openxmlformats.org/drawingml/2006/main" xmlns:r="http://schemas.openxmlformats.org/officeDocument/2006/relationships" xmlns:p="http://schemas.openxmlformats.org/presentationml/2006/main">
+  <p:cSld>
+    <p:spTree>
+      <p:nvGrpSpPr>
+        <p:cNvPr id="1" name=""/>
+        <p:cNvGrpSpPr/>
+        <p:nvPr/>
+      </p:nvGrpSpPr>
+      <p:grpSpPr>
+        <a:xfrm>
+          <a:off x="0" y="0"/>
+          <a:ext cx="0" cy="0"/>
+          <a:chOff x="0" y="0"/>
+          <a:chExt cx="0" cy="0"/>
+        </a:xfrm>
+      </p:grpSpPr>
+      <p:sp>
+        <p:nvSpPr>
+          <p:cNvPr id="2" name="Título 1">
+            <a:extLst>
+              <a:ext uri="{FF2B5EF4-FFF2-40B4-BE49-F238E27FC236}">
+                <a16:creationId xmlns:a16="http://schemas.microsoft.com/office/drawing/2014/main" id="{8697504F-0DBE-404C-A815-56097869D858}"/>
+              </a:ext>
+            </a:extLst>
+          </p:cNvPr>
+          <p:cNvSpPr>
+            <a:spLocks noGrp="1"/>
+          </p:cNvSpPr>
+          <p:nvPr>
+            <p:ph type="title"/>
+          </p:nvPr>
+        </p:nvSpPr>
+        <p:spPr>
+          <a:xfrm>
+            <a:off x="838200" y="18255"/>
+            <a:ext cx="10515600" cy="909397"/>
+          </a:xfrm>
+        </p:spPr>
+        <p:txBody>
+          <a:bodyPr/>
+          <a:lstStyle/>
+          <a:p>
+            <a:r>
+              <a:rPr lang="pt-BR" dirty="0"/>
+              <a:t>Projeto de Arquitetura</a:t>
+            </a:r>
+          </a:p>
+        </p:txBody>
+      </p:sp>
+      <p:sp>
+        <p:nvSpPr>
+          <p:cNvPr id="3" name="Espaço Reservado para Conteúdo 2">
+            <a:extLst>
+              <a:ext uri="{FF2B5EF4-FFF2-40B4-BE49-F238E27FC236}">
+                <a16:creationId xmlns:a16="http://schemas.microsoft.com/office/drawing/2014/main" id="{9735ACA8-298C-4B8E-BACE-F1C6E304EEA8}"/>
+              </a:ext>
+            </a:extLst>
+          </p:cNvPr>
+          <p:cNvSpPr>
+            <a:spLocks noGrp="1"/>
+          </p:cNvSpPr>
+          <p:nvPr>
+            <p:ph idx="1"/>
+          </p:nvPr>
+        </p:nvSpPr>
+        <p:spPr>
+          <a:xfrm>
+            <a:off x="838200" y="927652"/>
+            <a:ext cx="10515600" cy="2080591"/>
+          </a:xfrm>
+        </p:spPr>
+        <p:txBody>
+          <a:bodyPr>
+            <a:normAutofit fontScale="92500" lnSpcReduction="10000"/>
+          </a:bodyPr>
+          <a:lstStyle/>
+          <a:p>
+            <a:r>
+              <a:rPr lang="pt-BR" dirty="0"/>
+              <a:t>Diagrama de Colaboração: Indica os objetos reais e as ligações que representam as “redes de objetos” que estão colaborando. A sequência de tempo é indicada pela numeração do índice da mensagem das ligações entre os objetos. O diagrama de colaboração é mais apropriado quando os objetos e suas ligações facilitam o entendimento da interação entre os objetos, e a </a:t>
+            </a:r>
+            <a:r>
+              <a:rPr lang="pt-BR" dirty="0" err="1"/>
+              <a:t>seqüência</a:t>
+            </a:r>
+            <a:r>
+              <a:rPr lang="pt-BR" dirty="0"/>
+              <a:t> de tempo não é importante.</a:t>
+            </a:r>
+          </a:p>
+        </p:txBody>
+      </p:sp>
+      <p:pic>
+        <p:nvPicPr>
+          <p:cNvPr id="4" name="Imagem 3">
+            <a:extLst>
+              <a:ext uri="{FF2B5EF4-FFF2-40B4-BE49-F238E27FC236}">
+                <a16:creationId xmlns:a16="http://schemas.microsoft.com/office/drawing/2014/main" id="{0C229A12-7E56-4381-8E03-D1BC00115803}"/>
+              </a:ext>
+            </a:extLst>
+          </p:cNvPr>
+          <p:cNvPicPr>
+            <a:picLocks noChangeAspect="1"/>
+          </p:cNvPicPr>
+          <p:nvPr/>
+        </p:nvPicPr>
+        <p:blipFill>
+          <a:blip r:embed="rId2"/>
+          <a:stretch>
+            <a:fillRect/>
+          </a:stretch>
+        </p:blipFill>
+        <p:spPr>
+          <a:xfrm>
+            <a:off x="3375784" y="3008243"/>
+            <a:ext cx="5092355" cy="3467284"/>
+          </a:xfrm>
+          <a:prstGeom prst="rect">
+            <a:avLst/>
+          </a:prstGeom>
+        </p:spPr>
+      </p:pic>
+    </p:spTree>
+    <p:extLst>
+      <p:ext uri="{BB962C8B-B14F-4D97-AF65-F5344CB8AC3E}">
+        <p14:creationId xmlns:p14="http://schemas.microsoft.com/office/powerpoint/2010/main" val="2823449036"/>
+      </p:ext>
+    </p:extLst>
+  </p:cSld>
+  <p:clrMapOvr>
+    <a:masterClrMapping/>
+  </p:clrMapOvr>
+</p:sld>
+</file>
+
+<file path=ppt/slides/slide13.xml><?xml version="1.0" encoding="utf-8"?>
+<p:sld xmlns:a="http://schemas.openxmlformats.org/drawingml/2006/main" xmlns:r="http://schemas.openxmlformats.org/officeDocument/2006/relationships" xmlns:p="http://schemas.openxmlformats.org/presentationml/2006/main">
+  <p:cSld>
+    <p:spTree>
+      <p:nvGrpSpPr>
+        <p:cNvPr id="1" name=""/>
+        <p:cNvGrpSpPr/>
+        <p:nvPr/>
+      </p:nvGrpSpPr>
+      <p:grpSpPr>
+        <a:xfrm>
+          <a:off x="0" y="0"/>
+          <a:ext cx="0" cy="0"/>
+          <a:chOff x="0" y="0"/>
+          <a:chExt cx="0" cy="0"/>
+        </a:xfrm>
+      </p:grpSpPr>
+      <p:sp>
+        <p:nvSpPr>
+          <p:cNvPr id="2" name="Título 1">
+            <a:extLst>
+              <a:ext uri="{FF2B5EF4-FFF2-40B4-BE49-F238E27FC236}">
+                <a16:creationId xmlns:a16="http://schemas.microsoft.com/office/drawing/2014/main" id="{E20FBF27-AAB3-4B3D-B5D1-9A61509F1A8C}"/>
+              </a:ext>
+            </a:extLst>
+          </p:cNvPr>
+          <p:cNvSpPr>
+            <a:spLocks noGrp="1"/>
+          </p:cNvSpPr>
+          <p:nvPr>
+            <p:ph type="title"/>
+          </p:nvPr>
+        </p:nvSpPr>
+        <p:spPr>
+          <a:xfrm>
+            <a:off x="838200" y="0"/>
+            <a:ext cx="10515600" cy="681037"/>
+          </a:xfrm>
+        </p:spPr>
+        <p:txBody>
+          <a:bodyPr>
+            <a:normAutofit fontScale="90000"/>
+          </a:bodyPr>
+          <a:lstStyle/>
+          <a:p>
+            <a:r>
+              <a:rPr lang="pt-BR" dirty="0"/>
+              <a:t>Projeto de Arquitetura</a:t>
+            </a:r>
+          </a:p>
+        </p:txBody>
+      </p:sp>
+      <p:sp>
+        <p:nvSpPr>
+          <p:cNvPr id="3" name="Espaço Reservado para Conteúdo 2">
+            <a:extLst>
+              <a:ext uri="{FF2B5EF4-FFF2-40B4-BE49-F238E27FC236}">
+                <a16:creationId xmlns:a16="http://schemas.microsoft.com/office/drawing/2014/main" id="{FD758D67-769C-41D5-9A76-90ECEA25A905}"/>
+              </a:ext>
+            </a:extLst>
+          </p:cNvPr>
+          <p:cNvSpPr>
+            <a:spLocks noGrp="1"/>
+          </p:cNvSpPr>
+          <p:nvPr>
+            <p:ph idx="1"/>
+          </p:nvPr>
+        </p:nvSpPr>
+        <p:spPr>
+          <a:xfrm>
+            <a:off x="838200" y="681037"/>
+            <a:ext cx="10515600" cy="1903137"/>
+          </a:xfrm>
+        </p:spPr>
+        <p:txBody>
+          <a:bodyPr>
+            <a:normAutofit fontScale="92500"/>
+          </a:bodyPr>
+          <a:lstStyle/>
+          <a:p>
+            <a:r>
+              <a:rPr lang="pt-BR" dirty="0"/>
+              <a:t>Diagrama de Estado: Mostra todos os possíveis estados que objetos da classe podem assumir e quais eventos causaram sua mudança. Mostra como os estados dos objetos mudam de acordo com o resultado de eventos que são controlados pelo objeto. Bom para ser usado quando uma classe tem comportamento de ciclo de vida complexo.</a:t>
+            </a:r>
+          </a:p>
+        </p:txBody>
+      </p:sp>
+      <p:pic>
+        <p:nvPicPr>
+          <p:cNvPr id="4" name="Imagem 3">
+            <a:extLst>
+              <a:ext uri="{FF2B5EF4-FFF2-40B4-BE49-F238E27FC236}">
+                <a16:creationId xmlns:a16="http://schemas.microsoft.com/office/drawing/2014/main" id="{BF72AB4E-4C27-4F84-B86D-583C814BAF90}"/>
+              </a:ext>
+            </a:extLst>
+          </p:cNvPr>
+          <p:cNvPicPr>
+            <a:picLocks noChangeAspect="1"/>
+          </p:cNvPicPr>
+          <p:nvPr/>
+        </p:nvPicPr>
+        <p:blipFill>
+          <a:blip r:embed="rId2"/>
+          <a:stretch>
+            <a:fillRect/>
+          </a:stretch>
+        </p:blipFill>
+        <p:spPr>
+          <a:xfrm>
+            <a:off x="2547937" y="2466975"/>
+            <a:ext cx="7096125" cy="4391025"/>
+          </a:xfrm>
+          <a:prstGeom prst="rect">
+            <a:avLst/>
+          </a:prstGeom>
+        </p:spPr>
+      </p:pic>
+    </p:spTree>
+    <p:extLst>
+      <p:ext uri="{BB962C8B-B14F-4D97-AF65-F5344CB8AC3E}">
+        <p14:creationId xmlns:p14="http://schemas.microsoft.com/office/powerpoint/2010/main" val="1853162439"/>
+      </p:ext>
+    </p:extLst>
+  </p:cSld>
+  <p:clrMapOvr>
+    <a:masterClrMapping/>
+  </p:clrMapOvr>
+</p:sld>
+</file>
+
+<file path=ppt/slides/slide14.xml><?xml version="1.0" encoding="utf-8"?>
+<p:sld xmlns:a="http://schemas.openxmlformats.org/drawingml/2006/main" xmlns:r="http://schemas.openxmlformats.org/officeDocument/2006/relationships" xmlns:p="http://schemas.openxmlformats.org/presentationml/2006/main">
+  <p:cSld>
+    <p:spTree>
+      <p:nvGrpSpPr>
+        <p:cNvPr id="1" name=""/>
+        <p:cNvGrpSpPr/>
+        <p:nvPr/>
+      </p:nvGrpSpPr>
+      <p:grpSpPr>
+        <a:xfrm>
+          <a:off x="0" y="0"/>
+          <a:ext cx="0" cy="0"/>
+          <a:chOff x="0" y="0"/>
+          <a:chExt cx="0" cy="0"/>
+        </a:xfrm>
+      </p:grpSpPr>
+      <p:sp>
+        <p:nvSpPr>
+          <p:cNvPr id="2" name="Título 1">
+            <a:extLst>
+              <a:ext uri="{FF2B5EF4-FFF2-40B4-BE49-F238E27FC236}">
+                <a16:creationId xmlns:a16="http://schemas.microsoft.com/office/drawing/2014/main" id="{11A646B0-C0F2-4396-94D0-C9C41C3F848C}"/>
+              </a:ext>
+            </a:extLst>
+          </p:cNvPr>
+          <p:cNvSpPr>
+            <a:spLocks noGrp="1"/>
+          </p:cNvSpPr>
+          <p:nvPr>
+            <p:ph type="title"/>
+          </p:nvPr>
+        </p:nvSpPr>
+        <p:spPr>
+          <a:xfrm>
+            <a:off x="838200" y="20568"/>
+            <a:ext cx="10515600" cy="787815"/>
+          </a:xfrm>
+        </p:spPr>
+        <p:txBody>
+          <a:bodyPr/>
+          <a:lstStyle/>
+          <a:p>
+            <a:r>
+              <a:rPr lang="pt-BR" dirty="0"/>
+              <a:t>Projeto de Arquitetura</a:t>
+            </a:r>
+          </a:p>
+        </p:txBody>
+      </p:sp>
+      <p:sp>
+        <p:nvSpPr>
+          <p:cNvPr id="3" name="Espaço Reservado para Conteúdo 2">
+            <a:extLst>
+              <a:ext uri="{FF2B5EF4-FFF2-40B4-BE49-F238E27FC236}">
+                <a16:creationId xmlns:a16="http://schemas.microsoft.com/office/drawing/2014/main" id="{C42F9A0F-B955-4B67-A9D8-3BF66EE5AAA8}"/>
+              </a:ext>
+            </a:extLst>
+          </p:cNvPr>
+          <p:cNvSpPr>
+            <a:spLocks noGrp="1"/>
+          </p:cNvSpPr>
+          <p:nvPr>
+            <p:ph idx="1"/>
+          </p:nvPr>
+        </p:nvSpPr>
+        <p:spPr>
+          <a:xfrm>
+            <a:off x="838200" y="808383"/>
+            <a:ext cx="10515600" cy="1272208"/>
+          </a:xfrm>
+        </p:spPr>
+        <p:txBody>
+          <a:bodyPr/>
+          <a:lstStyle/>
+          <a:p>
+            <a:r>
+              <a:rPr lang="pt-BR" dirty="0"/>
+              <a:t>Diagrama de Componentes: Mostra os componentes do software em termos de códigos fonte, códigos binários, ligação de bibliotecas dinâmicas etc.</a:t>
+            </a:r>
+          </a:p>
+        </p:txBody>
+      </p:sp>
+      <p:pic>
+        <p:nvPicPr>
+          <p:cNvPr id="4" name="Imagem 3">
+            <a:extLst>
+              <a:ext uri="{FF2B5EF4-FFF2-40B4-BE49-F238E27FC236}">
+                <a16:creationId xmlns:a16="http://schemas.microsoft.com/office/drawing/2014/main" id="{B7F2A9CB-04C3-4223-99B9-AA1C3AB25F08}"/>
+              </a:ext>
+            </a:extLst>
+          </p:cNvPr>
+          <p:cNvPicPr>
+            <a:picLocks noChangeAspect="1"/>
+          </p:cNvPicPr>
+          <p:nvPr/>
+        </p:nvPicPr>
+        <p:blipFill>
+          <a:blip r:embed="rId2"/>
+          <a:stretch>
+            <a:fillRect/>
+          </a:stretch>
+        </p:blipFill>
+        <p:spPr>
+          <a:xfrm>
+            <a:off x="3862387" y="2080591"/>
+            <a:ext cx="4467225" cy="2752725"/>
+          </a:xfrm>
+          <a:prstGeom prst="rect">
+            <a:avLst/>
+          </a:prstGeom>
+        </p:spPr>
+      </p:pic>
+    </p:spTree>
+    <p:extLst>
+      <p:ext uri="{BB962C8B-B14F-4D97-AF65-F5344CB8AC3E}">
+        <p14:creationId xmlns:p14="http://schemas.microsoft.com/office/powerpoint/2010/main" val="3298678925"/>
+      </p:ext>
+    </p:extLst>
+  </p:cSld>
+  <p:clrMapOvr>
+    <a:masterClrMapping/>
+  </p:clrMapOvr>
+</p:sld>
+</file>
+
+<file path=ppt/slides/slide15.xml><?xml version="1.0" encoding="utf-8"?>
+<p:sld xmlns:a="http://schemas.openxmlformats.org/drawingml/2006/main" xmlns:r="http://schemas.openxmlformats.org/officeDocument/2006/relationships" xmlns:p="http://schemas.openxmlformats.org/presentationml/2006/main">
+  <p:cSld>
+    <p:spTree>
+      <p:nvGrpSpPr>
+        <p:cNvPr id="1" name=""/>
+        <p:cNvGrpSpPr/>
+        <p:nvPr/>
+      </p:nvGrpSpPr>
+      <p:grpSpPr>
+        <a:xfrm>
+          <a:off x="0" y="0"/>
+          <a:ext cx="0" cy="0"/>
+          <a:chOff x="0" y="0"/>
+          <a:chExt cx="0" cy="0"/>
+        </a:xfrm>
+      </p:grpSpPr>
+      <p:sp>
+        <p:nvSpPr>
+          <p:cNvPr id="2" name="Título 1">
+            <a:extLst>
+              <a:ext uri="{FF2B5EF4-FFF2-40B4-BE49-F238E27FC236}">
+                <a16:creationId xmlns:a16="http://schemas.microsoft.com/office/drawing/2014/main" id="{A3875470-72EA-404A-AC8B-41B91AC2C3A2}"/>
+              </a:ext>
+            </a:extLst>
+          </p:cNvPr>
+          <p:cNvSpPr>
+            <a:spLocks noGrp="1"/>
+          </p:cNvSpPr>
+          <p:nvPr>
+            <p:ph type="title"/>
+          </p:nvPr>
+        </p:nvSpPr>
+        <p:spPr>
+          <a:xfrm>
+            <a:off x="838200" y="0"/>
+            <a:ext cx="10515600" cy="967409"/>
+          </a:xfrm>
+        </p:spPr>
+        <p:txBody>
+          <a:bodyPr/>
+          <a:lstStyle/>
+          <a:p>
+            <a:r>
+              <a:rPr lang="pt-BR" dirty="0"/>
+              <a:t>Projeto de Arquitetura</a:t>
+            </a:r>
+          </a:p>
+        </p:txBody>
+      </p:sp>
+      <p:sp>
+        <p:nvSpPr>
+          <p:cNvPr id="3" name="Espaço Reservado para Conteúdo 2">
+            <a:extLst>
+              <a:ext uri="{FF2B5EF4-FFF2-40B4-BE49-F238E27FC236}">
+                <a16:creationId xmlns:a16="http://schemas.microsoft.com/office/drawing/2014/main" id="{422085AC-4368-4ACB-9EB1-442E0C0C7DC5}"/>
+              </a:ext>
+            </a:extLst>
+          </p:cNvPr>
+          <p:cNvSpPr>
+            <a:spLocks noGrp="1"/>
+          </p:cNvSpPr>
+          <p:nvPr>
+            <p:ph idx="1"/>
+          </p:nvPr>
+        </p:nvSpPr>
+        <p:spPr>
+          <a:xfrm>
+            <a:off x="838200" y="967409"/>
+            <a:ext cx="10515600" cy="1325217"/>
+          </a:xfrm>
+        </p:spPr>
+        <p:txBody>
+          <a:bodyPr/>
+          <a:lstStyle/>
+          <a:p>
+            <a:r>
+              <a:rPr lang="pt-BR" dirty="0"/>
+              <a:t>Diagrama de Implementação: Mostra a arquitetura física do hardware e de software do sistema. Ele realça a relação física entre software e componentes de hardware no sistema.</a:t>
+            </a:r>
+          </a:p>
+        </p:txBody>
+      </p:sp>
+      <p:pic>
+        <p:nvPicPr>
+          <p:cNvPr id="4" name="Imagem 3">
+            <a:extLst>
+              <a:ext uri="{FF2B5EF4-FFF2-40B4-BE49-F238E27FC236}">
+                <a16:creationId xmlns:a16="http://schemas.microsoft.com/office/drawing/2014/main" id="{E09F28D1-3905-4807-AD2E-4F8D4EAC32B6}"/>
+              </a:ext>
+            </a:extLst>
+          </p:cNvPr>
+          <p:cNvPicPr>
+            <a:picLocks noChangeAspect="1"/>
+          </p:cNvPicPr>
+          <p:nvPr/>
+        </p:nvPicPr>
+        <p:blipFill>
+          <a:blip r:embed="rId2"/>
+          <a:stretch>
+            <a:fillRect/>
+          </a:stretch>
+        </p:blipFill>
+        <p:spPr>
+          <a:xfrm>
+            <a:off x="2730608" y="2611610"/>
+            <a:ext cx="6730784" cy="1634780"/>
+          </a:xfrm>
+          <a:prstGeom prst="rect">
+            <a:avLst/>
+          </a:prstGeom>
+        </p:spPr>
+      </p:pic>
+    </p:spTree>
+    <p:extLst>
+      <p:ext uri="{BB962C8B-B14F-4D97-AF65-F5344CB8AC3E}">
+        <p14:creationId xmlns:p14="http://schemas.microsoft.com/office/powerpoint/2010/main" val="3106777086"/>
       </p:ext>
     </p:extLst>
   </p:cSld>
@@ -3417,7 +4364,7 @@
           <p:cNvPr id="2" name="Título 1">
             <a:extLst>
               <a:ext uri="{FF2B5EF4-FFF2-40B4-BE49-F238E27FC236}">
-                <a16:creationId xmlns:a16="http://schemas.microsoft.com/office/drawing/2014/main" id="{05312126-417C-4CD5-AA07-451064517F79}"/>
+                <a16:creationId xmlns:a16="http://schemas.microsoft.com/office/drawing/2014/main" id="{C4506941-8FAA-4F62-AB8A-B514CF9D151C}"/>
               </a:ext>
             </a:extLst>
           </p:cNvPr>
@@ -3428,19 +4375,14 @@
             <p:ph type="title"/>
           </p:nvPr>
         </p:nvSpPr>
-        <p:spPr>
-          <a:xfrm>
-            <a:off x="838200" y="18255"/>
-            <a:ext cx="10515600" cy="1325563"/>
-          </a:xfrm>
-        </p:spPr>
-        <p:txBody>
-          <a:bodyPr/>
-          <a:lstStyle/>
-          <a:p>
-            <a:r>
-              <a:rPr lang="pt-BR" dirty="0"/>
-              <a:t>Modelagem de Software</a:t>
+        <p:spPr/>
+        <p:txBody>
+          <a:bodyPr/>
+          <a:lstStyle/>
+          <a:p>
+            <a:r>
+              <a:rPr lang="pt-BR" dirty="0"/>
+              <a:t>Projeto</a:t>
             </a:r>
           </a:p>
         </p:txBody>
@@ -3450,7 +4392,7 @@
           <p:cNvPr id="3" name="Espaço Reservado para Conteúdo 2">
             <a:extLst>
               <a:ext uri="{FF2B5EF4-FFF2-40B4-BE49-F238E27FC236}">
-                <a16:creationId xmlns:a16="http://schemas.microsoft.com/office/drawing/2014/main" id="{F92EEF75-C26A-4420-BD1D-40C123C01EAC}"/>
+                <a16:creationId xmlns:a16="http://schemas.microsoft.com/office/drawing/2014/main" id="{CF154201-D413-4A54-9315-B0A2112E4309}"/>
               </a:ext>
             </a:extLst>
           </p:cNvPr>
@@ -3461,82 +4403,34 @@
             <p:ph idx="1"/>
           </p:nvPr>
         </p:nvSpPr>
-        <p:spPr>
-          <a:xfrm>
-            <a:off x="838200" y="1343818"/>
-            <a:ext cx="10515600" cy="5495927"/>
-          </a:xfrm>
-        </p:spPr>
-        <p:txBody>
-          <a:bodyPr/>
-          <a:lstStyle/>
-          <a:p>
-            <a:r>
-              <a:rPr lang="pt-BR" dirty="0"/>
-              <a:t>De acordo com </a:t>
-            </a:r>
-            <a:r>
-              <a:rPr lang="pt-BR" dirty="0" err="1"/>
-              <a:t>Booch</a:t>
-            </a:r>
-            <a:r>
-              <a:rPr lang="pt-BR" dirty="0"/>
-              <a:t>, </a:t>
-            </a:r>
-            <a:r>
-              <a:rPr lang="pt-BR" dirty="0" err="1"/>
-              <a:t>Rumbaugh</a:t>
-            </a:r>
-            <a:r>
-              <a:rPr lang="pt-BR" dirty="0"/>
-              <a:t> e Jacobson [1], há quatro objetivos principais para se criar modelos:</a:t>
-            </a:r>
-          </a:p>
-          <a:p>
-            <a:pPr marL="0" indent="0">
-              <a:buNone/>
-            </a:pPr>
-            <a:r>
-              <a:rPr lang="pt-BR" dirty="0"/>
-              <a:t>1. Eles ajudam a visualizar o sistema como ele é ou como desejamos que ele seja;</a:t>
-            </a:r>
-          </a:p>
-          <a:p>
-            <a:pPr marL="0" indent="0">
-              <a:buNone/>
-            </a:pPr>
-            <a:r>
-              <a:rPr lang="pt-BR" dirty="0"/>
-              <a:t>2. Eles permitem especificar a estrutura ou o comportamento de um sistema;</a:t>
-            </a:r>
-          </a:p>
-          <a:p>
-            <a:pPr marL="0" indent="0">
-              <a:buNone/>
-            </a:pPr>
-            <a:r>
-              <a:rPr lang="pt-BR" dirty="0"/>
-              <a:t>3. Eles proporcionam um guia para a construção do sistema;</a:t>
-            </a:r>
-          </a:p>
-          <a:p>
-            <a:pPr marL="0" indent="0">
-              <a:buNone/>
-            </a:pPr>
-            <a:r>
-              <a:rPr lang="pt-BR" dirty="0"/>
-              <a:t>4. Eles documentam as decisões tomadas no projeto.</a:t>
-            </a:r>
-          </a:p>
-          <a:p>
-            <a:endParaRPr lang="pt-BR" dirty="0"/>
+        <p:spPr/>
+        <p:txBody>
+          <a:bodyPr/>
+          <a:lstStyle/>
+          <a:p>
+            <a:r>
+              <a:rPr lang="pt-BR" dirty="0"/>
+              <a:t>Esta fase esta focada na criação de representações ou modelos que estão concentrados na arquitetura do software, estrutura de dados, interfaces e componentes que são necessários para implementação do software.</a:t>
+            </a:r>
+          </a:p>
+          <a:p>
+            <a:r>
+              <a:rPr lang="pt-BR" dirty="0"/>
+              <a:t>Representação, usando modelos, dos requisitos do sistema.</a:t>
+            </a:r>
+          </a:p>
+          <a:p>
+            <a:r>
+              <a:rPr lang="pt-BR" dirty="0"/>
+              <a:t>Pode-se utilizar notações gráficas (UML) ou documentos descritivos formais.</a:t>
+            </a:r>
           </a:p>
         </p:txBody>
       </p:sp>
     </p:spTree>
     <p:extLst>
       <p:ext uri="{BB962C8B-B14F-4D97-AF65-F5344CB8AC3E}">
-        <p14:creationId xmlns:p14="http://schemas.microsoft.com/office/powerpoint/2010/main" val="2122156104"/>
+        <p14:creationId xmlns:p14="http://schemas.microsoft.com/office/powerpoint/2010/main" val="1663640290"/>
       </p:ext>
     </p:extLst>
   </p:cSld>
@@ -3568,7 +4462,7 @@
           <p:cNvPr id="2" name="Título 1">
             <a:extLst>
               <a:ext uri="{FF2B5EF4-FFF2-40B4-BE49-F238E27FC236}">
-                <a16:creationId xmlns:a16="http://schemas.microsoft.com/office/drawing/2014/main" id="{BF3ABB59-B445-4A5A-9B30-3174B7C15F0F}"/>
+                <a16:creationId xmlns:a16="http://schemas.microsoft.com/office/drawing/2014/main" id="{C4CD80AB-D8B7-42BB-AB2F-CF67A26118E2}"/>
               </a:ext>
             </a:extLst>
           </p:cNvPr>
@@ -3591,7 +4485,7 @@
           <a:p>
             <a:r>
               <a:rPr lang="pt-BR" dirty="0"/>
-              <a:t>Modelagem de Software</a:t>
+              <a:t>Projeto</a:t>
             </a:r>
           </a:p>
         </p:txBody>
@@ -3601,7 +4495,7 @@
           <p:cNvPr id="3" name="Espaço Reservado para Conteúdo 2">
             <a:extLst>
               <a:ext uri="{FF2B5EF4-FFF2-40B4-BE49-F238E27FC236}">
-                <a16:creationId xmlns:a16="http://schemas.microsoft.com/office/drawing/2014/main" id="{9890C2BA-63A6-41D9-BCE9-32727F4D7357}"/>
+                <a16:creationId xmlns:a16="http://schemas.microsoft.com/office/drawing/2014/main" id="{AF73E88A-4888-4E4F-ACE5-AA5871943A6C}"/>
               </a:ext>
             </a:extLst>
           </p:cNvPr>
@@ -3614,54 +4508,81 @@
         </p:nvSpPr>
         <p:spPr>
           <a:xfrm>
-            <a:off x="838200" y="1393652"/>
-            <a:ext cx="10515600" cy="5464348"/>
-          </a:xfrm>
-        </p:spPr>
-        <p:txBody>
-          <a:bodyPr/>
-          <a:lstStyle/>
-          <a:p>
-            <a:r>
-              <a:rPr lang="pt-BR" dirty="0"/>
-              <a:t>Princípios:</a:t>
-            </a:r>
-          </a:p>
-          <a:p>
-            <a:pPr lvl="1"/>
+            <a:off x="838200" y="1343819"/>
+            <a:ext cx="10515600" cy="5514182"/>
+          </a:xfrm>
+        </p:spPr>
+        <p:txBody>
+          <a:bodyPr>
+            <a:normAutofit fontScale="85000" lnSpcReduction="20000"/>
+          </a:bodyPr>
+          <a:lstStyle/>
+          <a:p>
+            <a:r>
+              <a:rPr lang="pt-BR" dirty="0"/>
+              <a:t>O projeto deverá ter uma arquitetura reconhecível que seja criada usando estilos arquitetônicos conhecidos ou padrões que consistem em bons componentes de projeto e isso pode ser criado de uma maneira evolutiva.</a:t>
+            </a:r>
+          </a:p>
+          <a:p>
+            <a:r>
+              <a:rPr lang="pt-BR" dirty="0"/>
+              <a:t>O projeto deve ser modular e logicamente particionado em subsistemas e elementos.</a:t>
+            </a:r>
+          </a:p>
+          <a:p>
+            <a:r>
+              <a:rPr lang="pt-BR" dirty="0"/>
+              <a:t>O projeto deve consistir em uma única representação de dados, arquitetura, interfaces e componentes. </a:t>
+            </a:r>
+          </a:p>
+          <a:p>
+            <a:r>
+              <a:rPr lang="pt-BR" dirty="0"/>
+              <a:t>O projeto da estrutura de dados deverá conduzir ao projeto das classes apropriadas que são derivadas de padrões de projetos (</a:t>
+            </a:r>
             <a:r>
               <a:rPr lang="pt-BR" i="1" dirty="0"/>
-              <a:t>A escolha dos modelos a serem criados tem profunda influência sobre a maneira como um determinado problema é atacado e como uma solução é definida.</a:t>
-            </a:r>
-          </a:p>
-          <a:p>
-            <a:pPr lvl="1"/>
-            <a:r>
-              <a:rPr lang="pt-BR" i="1" dirty="0"/>
-              <a:t>Cada modelo poderá ser expresso em diferentes níveis de precisão.</a:t>
-            </a:r>
-          </a:p>
-          <a:p>
-            <a:pPr lvl="1"/>
-            <a:r>
-              <a:rPr lang="pt-BR" i="1" dirty="0"/>
-              <a:t>Os melhores modelos estão relacionados à realidade.</a:t>
-            </a:r>
-          </a:p>
-          <a:p>
-            <a:pPr lvl="1"/>
-            <a:r>
-              <a:rPr lang="pt-BR" i="1" dirty="0"/>
-              <a:t>Nenhum modelo único é suficiente. Qualquer sistema não trivial será melhor investigado por meio de um pequeno conjunto de modelos quase independentes.</a:t>
-            </a:r>
-            <a:endParaRPr lang="pt-BR" dirty="0"/>
+              <a:t>design </a:t>
+            </a:r>
+            <a:r>
+              <a:rPr lang="pt-BR" i="1" dirty="0" err="1"/>
+              <a:t>patterns</a:t>
+            </a:r>
+            <a:r>
+              <a:rPr lang="pt-BR" dirty="0"/>
+              <a:t>) conhecidos. </a:t>
+            </a:r>
+          </a:p>
+          <a:p>
+            <a:r>
+              <a:rPr lang="pt-BR" dirty="0"/>
+              <a:t>O projeto de componentes deverá ter características de funcionalidades diferentes.</a:t>
+            </a:r>
+          </a:p>
+          <a:p>
+            <a:r>
+              <a:rPr lang="pt-BR" dirty="0"/>
+              <a:t>O projeto deverá ter interfaces que reduzam a complexidade das ligações entre componentes e o ambiente. </a:t>
+            </a:r>
+          </a:p>
+          <a:p>
+            <a:r>
+              <a:rPr lang="pt-BR" dirty="0"/>
+              <a:t>O projeto é derivado de usos de métodos repetitivos para obter informações durante a fase de engenharia de requisitos. </a:t>
+            </a:r>
+          </a:p>
+          <a:p>
+            <a:r>
+              <a:rPr lang="pt-BR" dirty="0"/>
+              <a:t>O projeto deverá usar uma notação que indique seu significado.</a:t>
+            </a:r>
           </a:p>
         </p:txBody>
       </p:sp>
     </p:spTree>
     <p:extLst>
       <p:ext uri="{BB962C8B-B14F-4D97-AF65-F5344CB8AC3E}">
-        <p14:creationId xmlns:p14="http://schemas.microsoft.com/office/powerpoint/2010/main" val="2336180097"/>
+        <p14:creationId xmlns:p14="http://schemas.microsoft.com/office/powerpoint/2010/main" val="887373130"/>
       </p:ext>
     </p:extLst>
   </p:cSld>
@@ -3693,7 +4614,7 @@
           <p:cNvPr id="2" name="Título 1">
             <a:extLst>
               <a:ext uri="{FF2B5EF4-FFF2-40B4-BE49-F238E27FC236}">
-                <a16:creationId xmlns:a16="http://schemas.microsoft.com/office/drawing/2014/main" id="{D6E26104-BF19-44B0-BF6C-0285976DABA9}"/>
+                <a16:creationId xmlns:a16="http://schemas.microsoft.com/office/drawing/2014/main" id="{50CE68B0-FAA0-4D1F-AF80-68D880AF46A6}"/>
               </a:ext>
             </a:extLst>
           </p:cNvPr>
@@ -3706,7 +4627,7 @@
         </p:nvSpPr>
         <p:spPr>
           <a:xfrm>
-            <a:off x="838200" y="18255"/>
+            <a:off x="838200" y="0"/>
             <a:ext cx="10515600" cy="1325563"/>
           </a:xfrm>
         </p:spPr>
@@ -3716,7 +4637,7 @@
           <a:p>
             <a:r>
               <a:rPr lang="pt-BR" dirty="0"/>
-              <a:t>Princípios</a:t>
+              <a:t>Projeto</a:t>
             </a:r>
           </a:p>
         </p:txBody>
@@ -3726,7 +4647,7 @@
           <p:cNvPr id="3" name="Espaço Reservado para Conteúdo 2">
             <a:extLst>
               <a:ext uri="{FF2B5EF4-FFF2-40B4-BE49-F238E27FC236}">
-                <a16:creationId xmlns:a16="http://schemas.microsoft.com/office/drawing/2014/main" id="{16EB72EB-CE6F-432D-95B0-1DBCDB520313}"/>
+                <a16:creationId xmlns:a16="http://schemas.microsoft.com/office/drawing/2014/main" id="{D7006C67-ACB0-4279-98DC-756395C3C532}"/>
               </a:ext>
             </a:extLst>
           </p:cNvPr>
@@ -3739,50 +4660,108 @@
         </p:nvSpPr>
         <p:spPr>
           <a:xfrm>
-            <a:off x="838200" y="1343817"/>
-            <a:ext cx="10515600" cy="5495927"/>
-          </a:xfrm>
-        </p:spPr>
-        <p:txBody>
-          <a:bodyPr/>
-          <a:lstStyle/>
-          <a:p>
-            <a:r>
-              <a:rPr lang="pt-BR" i="1" dirty="0"/>
-              <a:t>A escolha dos modelos a serem criados tem profunda influência sobre a maneira como um determinado problema é atacado e como uma solução é definida.</a:t>
+            <a:off x="838200" y="1325562"/>
+            <a:ext cx="10515600" cy="5532437"/>
+          </a:xfrm>
+        </p:spPr>
+        <p:txBody>
+          <a:bodyPr/>
+          <a:lstStyle/>
+          <a:p>
+            <a:r>
+              <a:rPr lang="pt-BR" dirty="0"/>
+              <a:t>Conceitos:</a:t>
             </a:r>
           </a:p>
           <a:p>
             <a:pPr lvl="1"/>
             <a:r>
               <a:rPr lang="pt-BR" dirty="0"/>
-              <a:t>Depende muito da visão do projetista. Cada visão pode levar a um sistema completamente distinto.</a:t>
+              <a:t>Abstração:</a:t>
+            </a:r>
+          </a:p>
+          <a:p>
+            <a:pPr lvl="2"/>
+            <a:r>
+              <a:rPr lang="pt-BR" b="1" i="1" dirty="0"/>
+              <a:t>Abstração de dados </a:t>
+            </a:r>
+            <a:r>
+              <a:rPr lang="pt-BR" dirty="0"/>
+              <a:t>se refere a coleções de dados que descrevem a informação requerida pelo sistema. </a:t>
+            </a:r>
+          </a:p>
+          <a:p>
+            <a:pPr lvl="2"/>
+            <a:r>
+              <a:rPr lang="pt-BR" b="1" i="1" dirty="0"/>
+              <a:t>Abstração processual </a:t>
+            </a:r>
+            <a:r>
+              <a:rPr lang="pt-BR" dirty="0"/>
+              <a:t>se refere a sequências de comandos ou instruções que estão limitadas a ações específicas.</a:t>
             </a:r>
           </a:p>
           <a:p>
             <a:pPr lvl="1"/>
             <a:r>
               <a:rPr lang="pt-BR" dirty="0"/>
-              <a:t>O modelo deve se adequar não só aos requisitos, mas também ao conhecimento da equipe de desenvolvimento.</a:t>
+              <a:t>Modularidade:</a:t>
+            </a:r>
+          </a:p>
+          <a:p>
+            <a:pPr lvl="2"/>
+            <a:r>
+              <a:rPr lang="pt-BR" dirty="0"/>
+              <a:t>O projeto é decomposto em pedaços independentes chamados </a:t>
+            </a:r>
+            <a:r>
+              <a:rPr lang="pt-BR" b="1" dirty="0"/>
+              <a:t>módulos</a:t>
+            </a:r>
+            <a:r>
+              <a:rPr lang="pt-BR" dirty="0"/>
+              <a:t>.</a:t>
             </a:r>
           </a:p>
           <a:p>
             <a:pPr lvl="1"/>
             <a:r>
               <a:rPr lang="pt-BR" dirty="0"/>
-              <a:t>As várias técnicas existentes são adequadas a um determinado problema, que pode não ser eficiente em outra situação.</a:t>
+              <a:t>Refinamento:</a:t>
+            </a:r>
+          </a:p>
+          <a:p>
+            <a:pPr lvl="2"/>
+            <a:r>
+              <a:rPr lang="pt-BR" dirty="0"/>
+              <a:t>Permite que o projeto seja criado de forma que seja possível criar o projeto suprimindo o detalhamento de níveis mais baixos do software.</a:t>
             </a:r>
           </a:p>
           <a:p>
             <a:pPr lvl="1"/>
-            <a:endParaRPr lang="pt-BR" dirty="0"/>
+            <a:r>
+              <a:rPr lang="pt-BR" dirty="0" err="1"/>
+              <a:t>Refatoramento</a:t>
+            </a:r>
+            <a:r>
+              <a:rPr lang="pt-BR" dirty="0"/>
+              <a:t>:</a:t>
+            </a:r>
+          </a:p>
+          <a:p>
+            <a:pPr lvl="2"/>
+            <a:r>
+              <a:rPr lang="pt-BR" dirty="0"/>
+              <a:t>Uma técnica que permite que um modelo seja checado internamente sem que as interfaces externas sejam afetadas.</a:t>
+            </a:r>
           </a:p>
         </p:txBody>
       </p:sp>
     </p:spTree>
     <p:extLst>
       <p:ext uri="{BB962C8B-B14F-4D97-AF65-F5344CB8AC3E}">
-        <p14:creationId xmlns:p14="http://schemas.microsoft.com/office/powerpoint/2010/main" val="1859257526"/>
+        <p14:creationId xmlns:p14="http://schemas.microsoft.com/office/powerpoint/2010/main" val="1705021523"/>
       </p:ext>
     </p:extLst>
   </p:cSld>
@@ -3814,7 +4793,7 @@
           <p:cNvPr id="2" name="Título 1">
             <a:extLst>
               <a:ext uri="{FF2B5EF4-FFF2-40B4-BE49-F238E27FC236}">
-                <a16:creationId xmlns:a16="http://schemas.microsoft.com/office/drawing/2014/main" id="{5D334B49-B9F4-47F2-94DE-EC59D797BE21}"/>
+                <a16:creationId xmlns:a16="http://schemas.microsoft.com/office/drawing/2014/main" id="{812728DB-9F8E-4BD8-8EBB-3C1239B80627}"/>
               </a:ext>
             </a:extLst>
           </p:cNvPr>
@@ -3837,7 +4816,7 @@
           <a:p>
             <a:r>
               <a:rPr lang="pt-BR" dirty="0"/>
-              <a:t>Princípios</a:t>
+              <a:t>Projeto</a:t>
             </a:r>
           </a:p>
         </p:txBody>
@@ -3847,7 +4826,7 @@
           <p:cNvPr id="3" name="Espaço Reservado para Conteúdo 2">
             <a:extLst>
               <a:ext uri="{FF2B5EF4-FFF2-40B4-BE49-F238E27FC236}">
-                <a16:creationId xmlns:a16="http://schemas.microsoft.com/office/drawing/2014/main" id="{C91CBDDD-F9A3-47E0-867A-88E43432153F}"/>
+                <a16:creationId xmlns:a16="http://schemas.microsoft.com/office/drawing/2014/main" id="{51B23BE6-2F70-4A97-97E4-775A6F38EC1A}"/>
               </a:ext>
             </a:extLst>
           </p:cNvPr>
@@ -3860,43 +4839,37 @@
         </p:nvSpPr>
         <p:spPr>
           <a:xfrm>
-            <a:off x="838200" y="1343818"/>
-            <a:ext cx="10515600" cy="5495927"/>
-          </a:xfrm>
-        </p:spPr>
-        <p:txBody>
-          <a:bodyPr/>
-          <a:lstStyle/>
-          <a:p>
-            <a:r>
-              <a:rPr lang="pt-BR" i="1" dirty="0"/>
-              <a:t>Cada modelo poderá ser expresso em diferentes níveis de precisão.</a:t>
-            </a:r>
-          </a:p>
-          <a:p>
-            <a:pPr lvl="1"/>
-            <a:r>
-              <a:rPr lang="pt-BR" dirty="0"/>
-              <a:t>Os melhores tipos de modelos são aqueles que permitem a escolha do grau de detalhamento das informações, dependendo de quem esteja fazendo a visualização e por que deseja fazê-la.</a:t>
-            </a:r>
-          </a:p>
-          <a:p>
-            <a:pPr marL="457200" lvl="1" indent="0">
-              <a:buNone/>
-            </a:pPr>
-            <a:endParaRPr lang="pt-BR" dirty="0"/>
-          </a:p>
-          <a:p>
-            <a:r>
-              <a:rPr lang="pt-BR" i="1" dirty="0"/>
-              <a:t>Os melhores modelos estão relacionados à realidade.</a:t>
-            </a:r>
-          </a:p>
-          <a:p>
-            <a:pPr lvl="1"/>
-            <a:r>
-              <a:rPr lang="pt-BR" dirty="0"/>
-              <a:t>Todos os modelos simplificam a realidade. Por isso, certifique-se de que sua simplificação não ocultará detalhes importantes.</a:t>
+            <a:off x="838200" y="1366768"/>
+            <a:ext cx="10515600" cy="5491231"/>
+          </a:xfrm>
+        </p:spPr>
+        <p:txBody>
+          <a:bodyPr>
+            <a:normAutofit/>
+          </a:bodyPr>
+          <a:lstStyle/>
+          <a:p>
+            <a:r>
+              <a:rPr lang="pt-BR" dirty="0"/>
+              <a:t>Projeto da Arquitetura do Software: visa a definir os grandes componentes estruturais do software e seus relacionamentos. </a:t>
+            </a:r>
+          </a:p>
+          <a:p>
+            <a:r>
+              <a:rPr lang="pt-BR" dirty="0"/>
+              <a:t>Projeto de Dados: tem por objetivo projetar a estrutura de armazenamento de dados necessária para implementar o software.</a:t>
+            </a:r>
+          </a:p>
+          <a:p>
+            <a:r>
+              <a:rPr lang="pt-BR" dirty="0"/>
+              <a:t>Projeto de Interfaces: descreve como o software deverá se comunicar dentro dele mesmo (interfaces internas), com outros sistemas (interfaces externas) e com pessoas que o utilizam (interface com o usuário).</a:t>
+            </a:r>
+          </a:p>
+          <a:p>
+            <a:r>
+              <a:rPr lang="pt-BR" dirty="0"/>
+              <a:t>Projeto Procedimental Detalhado: tem por objetivo refinar e detalhar a descrição procedimental dos componentes estruturais da arquitetura do software.</a:t>
             </a:r>
           </a:p>
         </p:txBody>
@@ -3904,7 +4877,7 @@
     </p:spTree>
     <p:extLst>
       <p:ext uri="{BB962C8B-B14F-4D97-AF65-F5344CB8AC3E}">
-        <p14:creationId xmlns:p14="http://schemas.microsoft.com/office/powerpoint/2010/main" val="733629966"/>
+        <p14:creationId xmlns:p14="http://schemas.microsoft.com/office/powerpoint/2010/main" val="3343399791"/>
       </p:ext>
     </p:extLst>
   </p:cSld>
@@ -3936,7 +4909,7 @@
           <p:cNvPr id="2" name="Título 1">
             <a:extLst>
               <a:ext uri="{FF2B5EF4-FFF2-40B4-BE49-F238E27FC236}">
-                <a16:creationId xmlns:a16="http://schemas.microsoft.com/office/drawing/2014/main" id="{7ECAFE7B-EB8F-4735-B884-A374C5CF80B7}"/>
+                <a16:creationId xmlns:a16="http://schemas.microsoft.com/office/drawing/2014/main" id="{A09B683C-0585-4150-A019-B9C4EEB5B05F}"/>
               </a:ext>
             </a:extLst>
           </p:cNvPr>
@@ -3949,7 +4922,7 @@
         </p:nvSpPr>
         <p:spPr>
           <a:xfrm>
-            <a:off x="745435" y="18255"/>
+            <a:off x="838200" y="25491"/>
             <a:ext cx="10515600" cy="1325563"/>
           </a:xfrm>
         </p:spPr>
@@ -3959,7 +4932,7 @@
           <a:p>
             <a:r>
               <a:rPr lang="pt-BR" dirty="0"/>
-              <a:t>Princípios</a:t>
+              <a:t>Projeto de Dados</a:t>
             </a:r>
           </a:p>
         </p:txBody>
@@ -3969,7 +4942,7 @@
           <p:cNvPr id="3" name="Espaço Reservado para Conteúdo 2">
             <a:extLst>
               <a:ext uri="{FF2B5EF4-FFF2-40B4-BE49-F238E27FC236}">
-                <a16:creationId xmlns:a16="http://schemas.microsoft.com/office/drawing/2014/main" id="{E2907AC5-53B4-4CFC-B97D-D3A36BAC7962}"/>
+                <a16:creationId xmlns:a16="http://schemas.microsoft.com/office/drawing/2014/main" id="{C2E1C9C5-961E-4001-9836-444035D95E5C}"/>
               </a:ext>
             </a:extLst>
           </p:cNvPr>
@@ -3982,47 +4955,80 @@
         </p:nvSpPr>
         <p:spPr>
           <a:xfrm>
-            <a:off x="838200" y="1343818"/>
-            <a:ext cx="10515600" cy="5495927"/>
-          </a:xfrm>
-        </p:spPr>
-        <p:txBody>
-          <a:bodyPr/>
-          <a:lstStyle/>
-          <a:p>
+            <a:off x="838200" y="1351053"/>
+            <a:ext cx="10515600" cy="5481455"/>
+          </a:xfrm>
+        </p:spPr>
+        <p:txBody>
+          <a:bodyPr/>
+          <a:lstStyle/>
+          <a:p>
+            <a:r>
+              <a:rPr lang="pt-BR" dirty="0"/>
+              <a:t>Diagrama de Entidades e Relacionamentos:</a:t>
+            </a:r>
+          </a:p>
+          <a:p>
+            <a:pPr lvl="1"/>
+            <a:r>
+              <a:rPr lang="pt-BR" dirty="0"/>
+              <a:t>Basicamente, um diagrama ER representa as </a:t>
+            </a:r>
             <a:r>
               <a:rPr lang="pt-BR" i="1" dirty="0"/>
-              <a:t>Nenhum modelo único é suficiente. Qualquer sistema não trivial será melhor investigado por meio de um pequeno conjunto de modelos quase independentes.</a:t>
+              <a:t>entidades </a:t>
+            </a:r>
+            <a:r>
+              <a:rPr lang="pt-BR" dirty="0"/>
+              <a:t>do mundo real e os </a:t>
+            </a:r>
+            <a:r>
+              <a:rPr lang="pt-BR" i="1" dirty="0"/>
+              <a:t>relacionamentos </a:t>
+            </a:r>
+            <a:r>
+              <a:rPr lang="pt-BR" dirty="0"/>
+              <a:t>entre elas, que um sistema de informação precisa simular internamente.</a:t>
+            </a:r>
+          </a:p>
+          <a:p>
+            <a:pPr lvl="2"/>
+            <a:r>
+              <a:rPr lang="pt-BR" dirty="0"/>
+              <a:t>Entidade: representação abstrata de alguma coisa do mundo real que temos interesse em monitorar o comportamento.</a:t>
+            </a:r>
+          </a:p>
+          <a:p>
+            <a:pPr lvl="2"/>
+            <a:r>
+              <a:rPr lang="pt-BR" dirty="0"/>
+              <a:t>Relacionamento: abstração de uma associação entre duas ou mais entidades.</a:t>
+            </a:r>
+          </a:p>
+          <a:p>
+            <a:r>
+              <a:rPr lang="pt-BR" dirty="0"/>
+              <a:t>Diagrama de Fluxo de Dados</a:t>
             </a:r>
           </a:p>
           <a:p>
             <a:pPr lvl="1"/>
             <a:r>
               <a:rPr lang="pt-BR" dirty="0"/>
-              <a:t>“quase independentes” significa modelos que possam ser criados e estudados separadamente, mas que continuam inter-relacionados.</a:t>
+              <a:t>É um instrumento para a modelagem de processos, que representa um sistema como uma rede de processos, interligados entre si por fluxos de dados e depósitos de dados.</a:t>
+            </a:r>
+          </a:p>
+          <a:p>
+            <a:r>
+              <a:rPr lang="pt-BR" dirty="0"/>
+              <a:t>Dicionário de Dados:</a:t>
             </a:r>
           </a:p>
           <a:p>
             <a:pPr lvl="1"/>
             <a:r>
               <a:rPr lang="pt-BR" dirty="0"/>
-              <a:t>Segundo </a:t>
-            </a:r>
-            <a:r>
-              <a:rPr lang="pt-BR" dirty="0" err="1"/>
-              <a:t>Booch</a:t>
-            </a:r>
-            <a:r>
-              <a:rPr lang="pt-BR" dirty="0"/>
-              <a:t>, </a:t>
-            </a:r>
-            <a:r>
-              <a:rPr lang="pt-BR" dirty="0" err="1"/>
-              <a:t>Rumbaugh</a:t>
-            </a:r>
-            <a:r>
-              <a:rPr lang="pt-BR" dirty="0"/>
-              <a:t> e Jacobson [1], para compreender a arquitetura de sistemas é necessário recorrer a várias visões complementares e inter-relacionadas, tais como: a visão dos casos de uso (expondo os requisitos do sistema); a visão de projeto (capturando o vocabulário do problema a ser resolvido); a visão do processo (modelando a distribuição dos processos e das threads do sistema); e a visão da implementação (com o foco voltado para questões de engenharia de sistemas).</a:t>
+              <a:t>Coleção de metadados que contém definições e representações sobre os dados de um sistema.</a:t>
             </a:r>
           </a:p>
         </p:txBody>
@@ -4030,7 +5036,352 @@
     </p:spTree>
     <p:extLst>
       <p:ext uri="{BB962C8B-B14F-4D97-AF65-F5344CB8AC3E}">
-        <p14:creationId xmlns:p14="http://schemas.microsoft.com/office/powerpoint/2010/main" val="2357068177"/>
+        <p14:creationId xmlns:p14="http://schemas.microsoft.com/office/powerpoint/2010/main" val="1578148204"/>
+      </p:ext>
+    </p:extLst>
+  </p:cSld>
+  <p:clrMapOvr>
+    <a:masterClrMapping/>
+  </p:clrMapOvr>
+</p:sld>
+</file>
+
+<file path=ppt/slides/slide7.xml><?xml version="1.0" encoding="utf-8"?>
+<p:sld xmlns:a="http://schemas.openxmlformats.org/drawingml/2006/main" xmlns:r="http://schemas.openxmlformats.org/officeDocument/2006/relationships" xmlns:p="http://schemas.openxmlformats.org/presentationml/2006/main">
+  <p:cSld>
+    <p:spTree>
+      <p:nvGrpSpPr>
+        <p:cNvPr id="1" name=""/>
+        <p:cNvGrpSpPr/>
+        <p:nvPr/>
+      </p:nvGrpSpPr>
+      <p:grpSpPr>
+        <a:xfrm>
+          <a:off x="0" y="0"/>
+          <a:ext cx="0" cy="0"/>
+          <a:chOff x="0" y="0"/>
+          <a:chExt cx="0" cy="0"/>
+        </a:xfrm>
+      </p:grpSpPr>
+      <p:sp>
+        <p:nvSpPr>
+          <p:cNvPr id="2" name="Título 1">
+            <a:extLst>
+              <a:ext uri="{FF2B5EF4-FFF2-40B4-BE49-F238E27FC236}">
+                <a16:creationId xmlns:a16="http://schemas.microsoft.com/office/drawing/2014/main" id="{646C09C0-165A-431F-9F1E-D55ED6E24959}"/>
+              </a:ext>
+            </a:extLst>
+          </p:cNvPr>
+          <p:cNvSpPr>
+            <a:spLocks noGrp="1"/>
+          </p:cNvSpPr>
+          <p:nvPr>
+            <p:ph type="title"/>
+          </p:nvPr>
+        </p:nvSpPr>
+        <p:spPr>
+          <a:xfrm>
+            <a:off x="838200" y="18255"/>
+            <a:ext cx="10515600" cy="1325563"/>
+          </a:xfrm>
+        </p:spPr>
+        <p:txBody>
+          <a:bodyPr/>
+          <a:lstStyle/>
+          <a:p>
+            <a:r>
+              <a:rPr lang="pt-BR" dirty="0"/>
+              <a:t>Projeto de Dados - DER</a:t>
+            </a:r>
+          </a:p>
+        </p:txBody>
+      </p:sp>
+      <p:pic>
+        <p:nvPicPr>
+          <p:cNvPr id="5" name="Imagem 4">
+            <a:extLst>
+              <a:ext uri="{FF2B5EF4-FFF2-40B4-BE49-F238E27FC236}">
+                <a16:creationId xmlns:a16="http://schemas.microsoft.com/office/drawing/2014/main" id="{17B1B8F6-993D-43B0-8B57-73C884691ED8}"/>
+              </a:ext>
+            </a:extLst>
+          </p:cNvPr>
+          <p:cNvPicPr>
+            <a:picLocks noChangeAspect="1"/>
+          </p:cNvPicPr>
+          <p:nvPr/>
+        </p:nvPicPr>
+        <p:blipFill>
+          <a:blip r:embed="rId2"/>
+          <a:stretch>
+            <a:fillRect/>
+          </a:stretch>
+        </p:blipFill>
+        <p:spPr>
+          <a:xfrm>
+            <a:off x="1768380" y="1202055"/>
+            <a:ext cx="8655240" cy="4453890"/>
+          </a:xfrm>
+          <a:prstGeom prst="rect">
+            <a:avLst/>
+          </a:prstGeom>
+        </p:spPr>
+      </p:pic>
+    </p:spTree>
+    <p:extLst>
+      <p:ext uri="{BB962C8B-B14F-4D97-AF65-F5344CB8AC3E}">
+        <p14:creationId xmlns:p14="http://schemas.microsoft.com/office/powerpoint/2010/main" val="717641112"/>
+      </p:ext>
+    </p:extLst>
+  </p:cSld>
+  <p:clrMapOvr>
+    <a:masterClrMapping/>
+  </p:clrMapOvr>
+</p:sld>
+</file>
+
+<file path=ppt/slides/slide8.xml><?xml version="1.0" encoding="utf-8"?>
+<p:sld xmlns:a="http://schemas.openxmlformats.org/drawingml/2006/main" xmlns:r="http://schemas.openxmlformats.org/officeDocument/2006/relationships" xmlns:p="http://schemas.openxmlformats.org/presentationml/2006/main">
+  <p:cSld>
+    <p:spTree>
+      <p:nvGrpSpPr>
+        <p:cNvPr id="1" name=""/>
+        <p:cNvGrpSpPr/>
+        <p:nvPr/>
+      </p:nvGrpSpPr>
+      <p:grpSpPr>
+        <a:xfrm>
+          <a:off x="0" y="0"/>
+          <a:ext cx="0" cy="0"/>
+          <a:chOff x="0" y="0"/>
+          <a:chExt cx="0" cy="0"/>
+        </a:xfrm>
+      </p:grpSpPr>
+      <p:sp>
+        <p:nvSpPr>
+          <p:cNvPr id="2" name="Título 1">
+            <a:extLst>
+              <a:ext uri="{FF2B5EF4-FFF2-40B4-BE49-F238E27FC236}">
+                <a16:creationId xmlns:a16="http://schemas.microsoft.com/office/drawing/2014/main" id="{2D7697E2-3C93-4C3D-B727-D3B92C8B8AE8}"/>
+              </a:ext>
+            </a:extLst>
+          </p:cNvPr>
+          <p:cNvSpPr>
+            <a:spLocks noGrp="1"/>
+          </p:cNvSpPr>
+          <p:nvPr>
+            <p:ph type="title"/>
+          </p:nvPr>
+        </p:nvSpPr>
+        <p:spPr>
+          <a:xfrm>
+            <a:off x="838200" y="18255"/>
+            <a:ext cx="10515600" cy="1325563"/>
+          </a:xfrm>
+        </p:spPr>
+        <p:txBody>
+          <a:bodyPr/>
+          <a:lstStyle/>
+          <a:p>
+            <a:r>
+              <a:rPr lang="pt-BR" dirty="0"/>
+              <a:t>Projeto de Arquitetura</a:t>
+            </a:r>
+          </a:p>
+        </p:txBody>
+      </p:sp>
+      <p:sp>
+        <p:nvSpPr>
+          <p:cNvPr id="3" name="Espaço Reservado para Conteúdo 2">
+            <a:extLst>
+              <a:ext uri="{FF2B5EF4-FFF2-40B4-BE49-F238E27FC236}">
+                <a16:creationId xmlns:a16="http://schemas.microsoft.com/office/drawing/2014/main" id="{A28F2E97-EC2A-4FBA-92D3-BDE310CBEE0A}"/>
+              </a:ext>
+            </a:extLst>
+          </p:cNvPr>
+          <p:cNvSpPr>
+            <a:spLocks noGrp="1"/>
+          </p:cNvSpPr>
+          <p:nvPr>
+            <p:ph idx="1"/>
+          </p:nvPr>
+        </p:nvSpPr>
+        <p:spPr>
+          <a:xfrm>
+            <a:off x="838199" y="1062347"/>
+            <a:ext cx="10515600" cy="2048601"/>
+          </a:xfrm>
+        </p:spPr>
+        <p:txBody>
+          <a:bodyPr/>
+          <a:lstStyle/>
+          <a:p>
+            <a:r>
+              <a:rPr lang="pt-BR" dirty="0"/>
+              <a:t>Diagrama de Classes: mostra a estrutura estática do domínio das abstrações (classes) do sistema. Ele descreve os tipos de objetos no sistema e os vários tipos de relacionamentos estáticos que existem entre eles. Mostra os atributos e operações de uma classe e checa a maneira com que os objetos colaboram entre si.</a:t>
+            </a:r>
+          </a:p>
+        </p:txBody>
+      </p:sp>
+      <p:pic>
+        <p:nvPicPr>
+          <p:cNvPr id="4" name="Imagem 3">
+            <a:extLst>
+              <a:ext uri="{FF2B5EF4-FFF2-40B4-BE49-F238E27FC236}">
+                <a16:creationId xmlns:a16="http://schemas.microsoft.com/office/drawing/2014/main" id="{D9404040-40A8-4634-B03E-4B4FEC434167}"/>
+              </a:ext>
+            </a:extLst>
+          </p:cNvPr>
+          <p:cNvPicPr>
+            <a:picLocks noChangeAspect="1"/>
+          </p:cNvPicPr>
+          <p:nvPr/>
+        </p:nvPicPr>
+        <p:blipFill>
+          <a:blip r:embed="rId2"/>
+          <a:stretch>
+            <a:fillRect/>
+          </a:stretch>
+        </p:blipFill>
+        <p:spPr>
+          <a:xfrm>
+            <a:off x="3133724" y="3110948"/>
+            <a:ext cx="5924551" cy="3728797"/>
+          </a:xfrm>
+          <a:prstGeom prst="rect">
+            <a:avLst/>
+          </a:prstGeom>
+        </p:spPr>
+      </p:pic>
+    </p:spTree>
+    <p:extLst>
+      <p:ext uri="{BB962C8B-B14F-4D97-AF65-F5344CB8AC3E}">
+        <p14:creationId xmlns:p14="http://schemas.microsoft.com/office/powerpoint/2010/main" val="920352369"/>
+      </p:ext>
+    </p:extLst>
+  </p:cSld>
+  <p:clrMapOvr>
+    <a:masterClrMapping/>
+  </p:clrMapOvr>
+</p:sld>
+</file>
+
+<file path=ppt/slides/slide9.xml><?xml version="1.0" encoding="utf-8"?>
+<p:sld xmlns:a="http://schemas.openxmlformats.org/drawingml/2006/main" xmlns:r="http://schemas.openxmlformats.org/officeDocument/2006/relationships" xmlns:p="http://schemas.openxmlformats.org/presentationml/2006/main">
+  <p:cSld>
+    <p:spTree>
+      <p:nvGrpSpPr>
+        <p:cNvPr id="1" name=""/>
+        <p:cNvGrpSpPr/>
+        <p:nvPr/>
+      </p:nvGrpSpPr>
+      <p:grpSpPr>
+        <a:xfrm>
+          <a:off x="0" y="0"/>
+          <a:ext cx="0" cy="0"/>
+          <a:chOff x="0" y="0"/>
+          <a:chExt cx="0" cy="0"/>
+        </a:xfrm>
+      </p:grpSpPr>
+      <p:sp>
+        <p:nvSpPr>
+          <p:cNvPr id="2" name="Título 1">
+            <a:extLst>
+              <a:ext uri="{FF2B5EF4-FFF2-40B4-BE49-F238E27FC236}">
+                <a16:creationId xmlns:a16="http://schemas.microsoft.com/office/drawing/2014/main" id="{C87542E8-E90B-419A-A116-44B2777C1B9F}"/>
+              </a:ext>
+            </a:extLst>
+          </p:cNvPr>
+          <p:cNvSpPr>
+            <a:spLocks noGrp="1"/>
+          </p:cNvSpPr>
+          <p:nvPr>
+            <p:ph type="title"/>
+          </p:nvPr>
+        </p:nvSpPr>
+        <p:spPr>
+          <a:xfrm>
+            <a:off x="838200" y="18255"/>
+            <a:ext cx="10515600" cy="1325563"/>
+          </a:xfrm>
+        </p:spPr>
+        <p:txBody>
+          <a:bodyPr/>
+          <a:lstStyle/>
+          <a:p>
+            <a:r>
+              <a:rPr lang="pt-BR" dirty="0"/>
+              <a:t>Projeto de Arquitetura</a:t>
+            </a:r>
+          </a:p>
+        </p:txBody>
+      </p:sp>
+      <p:sp>
+        <p:nvSpPr>
+          <p:cNvPr id="3" name="Espaço Reservado para Conteúdo 2">
+            <a:extLst>
+              <a:ext uri="{FF2B5EF4-FFF2-40B4-BE49-F238E27FC236}">
+                <a16:creationId xmlns:a16="http://schemas.microsoft.com/office/drawing/2014/main" id="{83F42946-E2B4-4FA8-9DB7-FB109690A743}"/>
+              </a:ext>
+            </a:extLst>
+          </p:cNvPr>
+          <p:cNvSpPr>
+            <a:spLocks noGrp="1"/>
+          </p:cNvSpPr>
+          <p:nvPr>
+            <p:ph idx="1"/>
+          </p:nvPr>
+        </p:nvSpPr>
+        <p:spPr>
+          <a:xfrm>
+            <a:off x="838200" y="1035842"/>
+            <a:ext cx="10515600" cy="2184436"/>
+          </a:xfrm>
+        </p:spPr>
+        <p:txBody>
+          <a:bodyPr/>
+          <a:lstStyle/>
+          <a:p>
+            <a:r>
+              <a:rPr lang="pt-BR" dirty="0"/>
+              <a:t>Diagrama de Pacote: Mostra a divisão de sistemas grandes em agrupamentos lógicos de pequenos subsistemas. Ele mostra agrupamentos de classes e dependências entre elas. Uma dependência existe entre dois elementos se mudanças na definição de um elemento pode causar mudanças em outros elementos.</a:t>
+            </a:r>
+          </a:p>
+        </p:txBody>
+      </p:sp>
+      <p:pic>
+        <p:nvPicPr>
+          <p:cNvPr id="4" name="Imagem 3">
+            <a:extLst>
+              <a:ext uri="{FF2B5EF4-FFF2-40B4-BE49-F238E27FC236}">
+                <a16:creationId xmlns:a16="http://schemas.microsoft.com/office/drawing/2014/main" id="{A4D8CE35-6BC3-44EB-9540-ADA86C194B0D}"/>
+              </a:ext>
+            </a:extLst>
+          </p:cNvPr>
+          <p:cNvPicPr>
+            <a:picLocks noChangeAspect="1"/>
+          </p:cNvPicPr>
+          <p:nvPr/>
+        </p:nvPicPr>
+        <p:blipFill>
+          <a:blip r:embed="rId2"/>
+          <a:stretch>
+            <a:fillRect/>
+          </a:stretch>
+        </p:blipFill>
+        <p:spPr>
+          <a:xfrm>
+            <a:off x="3049657" y="3112157"/>
+            <a:ext cx="5553075" cy="3724275"/>
+          </a:xfrm>
+          <a:prstGeom prst="rect">
+            <a:avLst/>
+          </a:prstGeom>
+        </p:spPr>
+      </p:pic>
+    </p:spTree>
+    <p:extLst>
+      <p:ext uri="{BB962C8B-B14F-4D97-AF65-F5344CB8AC3E}">
+        <p14:creationId xmlns:p14="http://schemas.microsoft.com/office/powerpoint/2010/main" val="587851061"/>
       </p:ext>
     </p:extLst>
   </p:cSld>
